--- a/docs/songs/raise a hallelujah.pptx
+++ b/docs/songs/raise a hallelujah.pptx
@@ -312,7 +312,7 @@
             <a:fld id="{26EA1CF3-4A15-4CBF-9A5A-6A56C368BE71}" type="datetimeFigureOut">
               <a:rPr lang="en-GB" smtClean="0"/>
               <a:pPr/>
-              <a:t>03/10/2022</a:t>
+              <a:t>28/10/2024</a:t>
             </a:fld>
             <a:endParaRPr lang="en-GB"/>
           </a:p>
@@ -479,7 +479,7 @@
             <a:fld id="{26EA1CF3-4A15-4CBF-9A5A-6A56C368BE71}" type="datetimeFigureOut">
               <a:rPr lang="en-GB" smtClean="0"/>
               <a:pPr/>
-              <a:t>03/10/2022</a:t>
+              <a:t>28/10/2024</a:t>
             </a:fld>
             <a:endParaRPr lang="en-GB"/>
           </a:p>
@@ -656,7 +656,7 @@
             <a:fld id="{26EA1CF3-4A15-4CBF-9A5A-6A56C368BE71}" type="datetimeFigureOut">
               <a:rPr lang="en-GB" smtClean="0"/>
               <a:pPr/>
-              <a:t>03/10/2022</a:t>
+              <a:t>28/10/2024</a:t>
             </a:fld>
             <a:endParaRPr lang="en-GB"/>
           </a:p>
@@ -823,7 +823,7 @@
             <a:fld id="{26EA1CF3-4A15-4CBF-9A5A-6A56C368BE71}" type="datetimeFigureOut">
               <a:rPr lang="en-GB" smtClean="0"/>
               <a:pPr/>
-              <a:t>03/10/2022</a:t>
+              <a:t>28/10/2024</a:t>
             </a:fld>
             <a:endParaRPr lang="en-GB"/>
           </a:p>
@@ -1066,7 +1066,7 @@
             <a:fld id="{26EA1CF3-4A15-4CBF-9A5A-6A56C368BE71}" type="datetimeFigureOut">
               <a:rPr lang="en-GB" smtClean="0"/>
               <a:pPr/>
-              <a:t>03/10/2022</a:t>
+              <a:t>28/10/2024</a:t>
             </a:fld>
             <a:endParaRPr lang="en-GB"/>
           </a:p>
@@ -1351,7 +1351,7 @@
             <a:fld id="{26EA1CF3-4A15-4CBF-9A5A-6A56C368BE71}" type="datetimeFigureOut">
               <a:rPr lang="en-GB" smtClean="0"/>
               <a:pPr/>
-              <a:t>03/10/2022</a:t>
+              <a:t>28/10/2024</a:t>
             </a:fld>
             <a:endParaRPr lang="en-GB"/>
           </a:p>
@@ -1770,7 +1770,7 @@
             <a:fld id="{26EA1CF3-4A15-4CBF-9A5A-6A56C368BE71}" type="datetimeFigureOut">
               <a:rPr lang="en-GB" smtClean="0"/>
               <a:pPr/>
-              <a:t>03/10/2022</a:t>
+              <a:t>28/10/2024</a:t>
             </a:fld>
             <a:endParaRPr lang="en-GB"/>
           </a:p>
@@ -1885,7 +1885,7 @@
             <a:fld id="{26EA1CF3-4A15-4CBF-9A5A-6A56C368BE71}" type="datetimeFigureOut">
               <a:rPr lang="en-GB" smtClean="0"/>
               <a:pPr/>
-              <a:t>03/10/2022</a:t>
+              <a:t>28/10/2024</a:t>
             </a:fld>
             <a:endParaRPr lang="en-GB"/>
           </a:p>
@@ -1977,7 +1977,7 @@
             <a:fld id="{26EA1CF3-4A15-4CBF-9A5A-6A56C368BE71}" type="datetimeFigureOut">
               <a:rPr lang="en-GB" smtClean="0"/>
               <a:pPr/>
-              <a:t>03/10/2022</a:t>
+              <a:t>28/10/2024</a:t>
             </a:fld>
             <a:endParaRPr lang="en-GB"/>
           </a:p>
@@ -2251,7 +2251,7 @@
             <a:fld id="{26EA1CF3-4A15-4CBF-9A5A-6A56C368BE71}" type="datetimeFigureOut">
               <a:rPr lang="en-GB" smtClean="0"/>
               <a:pPr/>
-              <a:t>03/10/2022</a:t>
+              <a:t>28/10/2024</a:t>
             </a:fld>
             <a:endParaRPr lang="en-GB"/>
           </a:p>
@@ -2501,7 +2501,7 @@
             <a:fld id="{26EA1CF3-4A15-4CBF-9A5A-6A56C368BE71}" type="datetimeFigureOut">
               <a:rPr lang="en-GB" smtClean="0"/>
               <a:pPr/>
-              <a:t>03/10/2022</a:t>
+              <a:t>28/10/2024</a:t>
             </a:fld>
             <a:endParaRPr lang="en-GB"/>
           </a:p>
@@ -2714,7 +2714,7 @@
             <a:fld id="{26EA1CF3-4A15-4CBF-9A5A-6A56C368BE71}" type="datetimeFigureOut">
               <a:rPr lang="en-GB" smtClean="0"/>
               <a:pPr/>
-              <a:t>03/10/2022</a:t>
+              <a:t>28/10/2024</a:t>
             </a:fld>
             <a:endParaRPr lang="en-GB"/>
           </a:p>
@@ -3245,7 +3245,7 @@
         </p:nvSpPr>
         <p:spPr>
           <a:xfrm>
-            <a:off x="323528" y="188640"/>
+            <a:off x="251520" y="764704"/>
             <a:ext cx="8640960" cy="6480720"/>
           </a:xfrm>
         </p:spPr>
@@ -3256,7 +3256,7 @@
           <a:lstStyle/>
           <a:p>
             <a:r>
-              <a:rPr lang="en-GB" sz="4800" dirty="0">
+              <a:rPr lang="en-GB" sz="3600" dirty="0">
                 <a:solidFill>
                   <a:schemeClr val="bg1"/>
                 </a:solidFill>
@@ -3264,14 +3264,14 @@
               <a:t>I raise a hallelujah in the presence of my enemies</a:t>
             </a:r>
             <a:br>
-              <a:rPr lang="en-GB" sz="4800" dirty="0">
+              <a:rPr lang="en-GB" sz="3600" dirty="0">
                 <a:solidFill>
                   <a:schemeClr val="bg1"/>
                 </a:solidFill>
               </a:rPr>
             </a:br>
             <a:r>
-              <a:rPr lang="en-GB" sz="4800" dirty="0">
+              <a:rPr lang="en-GB" sz="3600" dirty="0">
                 <a:solidFill>
                   <a:schemeClr val="bg1"/>
                 </a:solidFill>
@@ -3279,14 +3279,14 @@
               <a:t>I raise a hallelujah louder than the unbelief</a:t>
             </a:r>
             <a:br>
-              <a:rPr lang="en-GB" sz="4800" dirty="0">
+              <a:rPr lang="en-GB" sz="3600" dirty="0">
                 <a:solidFill>
                   <a:schemeClr val="bg1"/>
                 </a:solidFill>
               </a:rPr>
             </a:br>
             <a:r>
-              <a:rPr lang="en-GB" sz="4800" dirty="0">
+              <a:rPr lang="en-GB" sz="3600" dirty="0">
                 <a:solidFill>
                   <a:schemeClr val="bg1"/>
                 </a:solidFill>
@@ -3294,14 +3294,14 @@
               <a:t>I raise a hallelujah my weapon is a melody</a:t>
             </a:r>
             <a:br>
-              <a:rPr lang="en-GB" sz="4800" dirty="0">
+              <a:rPr lang="en-GB" sz="3600" dirty="0">
                 <a:solidFill>
                   <a:schemeClr val="bg1"/>
                 </a:solidFill>
               </a:rPr>
             </a:br>
             <a:r>
-              <a:rPr lang="en-GB" sz="4800" dirty="0">
+              <a:rPr lang="en-GB" sz="3600" dirty="0">
                 <a:solidFill>
                   <a:schemeClr val="bg1"/>
                 </a:solidFill>
@@ -3381,7 +3381,7 @@
         </p:nvSpPr>
         <p:spPr>
           <a:xfrm>
-            <a:off x="323528" y="188640"/>
+            <a:off x="251520" y="764704"/>
             <a:ext cx="8640960" cy="6480720"/>
           </a:xfrm>
         </p:spPr>
@@ -3392,7 +3392,7 @@
           <a:lstStyle/>
           <a:p>
             <a:r>
-              <a:rPr lang="en-GB" sz="5400" dirty="0">
+              <a:rPr lang="en-GB" sz="3600" dirty="0">
                 <a:solidFill>
                   <a:schemeClr val="bg1"/>
                 </a:solidFill>
@@ -3400,7 +3400,7 @@
               <a:t>I’m </a:t>
             </a:r>
             <a:r>
-              <a:rPr lang="en-GB" sz="5400" dirty="0" err="1">
+              <a:rPr lang="en-GB" sz="3600" dirty="0" err="1">
                 <a:solidFill>
                   <a:schemeClr val="bg1"/>
                 </a:solidFill>
@@ -3408,7 +3408,7 @@
               <a:t>gonna</a:t>
             </a:r>
             <a:r>
-              <a:rPr lang="en-GB" sz="5400" dirty="0">
+              <a:rPr lang="en-GB" sz="3600" dirty="0">
                 <a:solidFill>
                   <a:schemeClr val="bg1"/>
                 </a:solidFill>
@@ -3416,14 +3416,14 @@
               <a:t> sing in the middle of the storm</a:t>
             </a:r>
             <a:br>
-              <a:rPr lang="en-GB" sz="5400" dirty="0">
+              <a:rPr lang="en-GB" sz="3600" dirty="0">
                 <a:solidFill>
                   <a:schemeClr val="bg1"/>
                 </a:solidFill>
               </a:rPr>
             </a:br>
             <a:r>
-              <a:rPr lang="en-GB" sz="5400" dirty="0">
+              <a:rPr lang="en-GB" sz="3600" dirty="0">
                 <a:solidFill>
                   <a:schemeClr val="bg1"/>
                 </a:solidFill>
@@ -3431,7 +3431,7 @@
               <a:t>Louder and louder you’re </a:t>
             </a:r>
             <a:r>
-              <a:rPr lang="en-GB" sz="5400" dirty="0" err="1">
+              <a:rPr lang="en-GB" sz="3600" dirty="0" err="1">
                 <a:solidFill>
                   <a:schemeClr val="bg1"/>
                 </a:solidFill>
@@ -3439,7 +3439,7 @@
               <a:t>gonna</a:t>
             </a:r>
             <a:r>
-              <a:rPr lang="en-GB" sz="5400" dirty="0">
+              <a:rPr lang="en-GB" sz="3600" dirty="0">
                 <a:solidFill>
                   <a:schemeClr val="bg1"/>
                 </a:solidFill>
@@ -3447,14 +3447,14 @@
               <a:t> hear my praises roar</a:t>
             </a:r>
             <a:br>
-              <a:rPr lang="en-GB" sz="5400" dirty="0">
+              <a:rPr lang="en-GB" sz="3600" dirty="0">
                 <a:solidFill>
                   <a:schemeClr val="bg1"/>
                 </a:solidFill>
               </a:rPr>
             </a:br>
             <a:r>
-              <a:rPr lang="en-GB" sz="5400" dirty="0">
+              <a:rPr lang="en-GB" sz="3600" dirty="0">
                 <a:solidFill>
                   <a:schemeClr val="bg1"/>
                 </a:solidFill>
@@ -3462,14 +3462,14 @@
               <a:t>Up from the ashes hope will arise</a:t>
             </a:r>
             <a:br>
-              <a:rPr lang="en-GB" sz="5400" dirty="0">
+              <a:rPr lang="en-GB" sz="3600" dirty="0">
                 <a:solidFill>
                   <a:schemeClr val="bg1"/>
                 </a:solidFill>
               </a:rPr>
             </a:br>
             <a:r>
-              <a:rPr lang="en-GB" sz="5400" dirty="0">
+              <a:rPr lang="en-GB" sz="3600" dirty="0">
                 <a:solidFill>
                   <a:schemeClr val="bg1"/>
                 </a:solidFill>
@@ -3549,7 +3549,7 @@
         </p:nvSpPr>
         <p:spPr>
           <a:xfrm>
-            <a:off x="323528" y="188640"/>
+            <a:off x="251520" y="764704"/>
             <a:ext cx="8640960" cy="6480720"/>
           </a:xfrm>
         </p:spPr>
@@ -3560,7 +3560,7 @@
           <a:lstStyle/>
           <a:p>
             <a:r>
-              <a:rPr lang="en-GB" sz="4800" dirty="0">
+              <a:rPr lang="en-GB" sz="3600" dirty="0">
                 <a:solidFill>
                   <a:schemeClr val="bg1"/>
                 </a:solidFill>
@@ -3568,14 +3568,14 @@
               <a:t>I raise a hallelujah with everything inside of me</a:t>
             </a:r>
             <a:br>
-              <a:rPr lang="en-GB" sz="4800" dirty="0">
+              <a:rPr lang="en-GB" sz="3600" dirty="0">
                 <a:solidFill>
                   <a:schemeClr val="bg1"/>
                 </a:solidFill>
               </a:rPr>
             </a:br>
             <a:r>
-              <a:rPr lang="en-GB" sz="4800" dirty="0">
+              <a:rPr lang="en-GB" sz="3600" dirty="0">
                 <a:solidFill>
                   <a:schemeClr val="bg1"/>
                 </a:solidFill>
@@ -3583,14 +3583,14 @@
               <a:t>I raise a hallelujah I will watch the darkness flee</a:t>
             </a:r>
             <a:br>
-              <a:rPr lang="en-GB" sz="4800" dirty="0">
+              <a:rPr lang="en-GB" sz="3600" dirty="0">
                 <a:solidFill>
                   <a:schemeClr val="bg1"/>
                 </a:solidFill>
               </a:rPr>
             </a:br>
             <a:r>
-              <a:rPr lang="en-GB" sz="4800" dirty="0">
+              <a:rPr lang="en-GB" sz="3600" dirty="0">
                 <a:solidFill>
                   <a:schemeClr val="bg1"/>
                 </a:solidFill>
@@ -3598,14 +3598,14 @@
               <a:t>I raise a hallelujah in the middle of the mystery</a:t>
             </a:r>
             <a:br>
-              <a:rPr lang="en-GB" sz="4800" dirty="0">
+              <a:rPr lang="en-GB" sz="3600" dirty="0">
                 <a:solidFill>
                   <a:schemeClr val="bg1"/>
                 </a:solidFill>
               </a:rPr>
             </a:br>
             <a:r>
-              <a:rPr lang="en-GB" sz="4800" dirty="0">
+              <a:rPr lang="en-GB" sz="3600" dirty="0">
                 <a:solidFill>
                   <a:schemeClr val="bg1"/>
                 </a:solidFill>
@@ -3695,7 +3695,7 @@
           </a:bodyPr>
           <a:lstStyle/>
           <a:p>
-            <a:endParaRPr lang="en-GB" sz="5400" dirty="0">
+            <a:endParaRPr lang="en-GB" sz="3600" dirty="0">
               <a:solidFill>
                 <a:schemeClr val="bg1"/>
               </a:solidFill>
@@ -3703,7 +3703,7 @@
           </a:p>
           <a:p>
             <a:r>
-              <a:rPr lang="en-GB" sz="5400" dirty="0">
+              <a:rPr lang="en-GB" sz="3600" dirty="0">
                 <a:solidFill>
                   <a:schemeClr val="bg1"/>
                 </a:solidFill>
@@ -3711,14 +3711,14 @@
               <a:t>Sing a little louder </a:t>
             </a:r>
             <a:br>
-              <a:rPr lang="en-GB" sz="5400" dirty="0">
+              <a:rPr lang="en-GB" sz="3600" dirty="0">
                 <a:solidFill>
                   <a:schemeClr val="bg1"/>
                 </a:solidFill>
               </a:rPr>
             </a:br>
             <a:r>
-              <a:rPr lang="en-GB" sz="5400" dirty="0">
+              <a:rPr lang="en-GB" sz="3600" dirty="0">
                 <a:solidFill>
                   <a:schemeClr val="bg1"/>
                 </a:solidFill>
@@ -3726,14 +3726,14 @@
               <a:t>(Sing a little louder)</a:t>
             </a:r>
             <a:br>
-              <a:rPr lang="en-GB" sz="5400" dirty="0">
+              <a:rPr lang="en-GB" sz="3600" dirty="0">
                 <a:solidFill>
                   <a:schemeClr val="bg1"/>
                 </a:solidFill>
               </a:rPr>
             </a:br>
             <a:r>
-              <a:rPr lang="en-GB" sz="5400" dirty="0">
+              <a:rPr lang="en-GB" sz="3600" dirty="0">
                 <a:solidFill>
                   <a:schemeClr val="bg1"/>
                 </a:solidFill>
@@ -3741,14 +3741,14 @@
               <a:t>Sing a little louder </a:t>
             </a:r>
             <a:br>
-              <a:rPr lang="en-GB" sz="5400" dirty="0">
+              <a:rPr lang="en-GB" sz="3600" dirty="0">
                 <a:solidFill>
                   <a:schemeClr val="bg1"/>
                 </a:solidFill>
               </a:rPr>
             </a:br>
             <a:r>
-              <a:rPr lang="en-GB" sz="5400" dirty="0">
+              <a:rPr lang="en-GB" sz="3600" dirty="0">
                 <a:solidFill>
                   <a:schemeClr val="bg1"/>
                 </a:solidFill>
@@ -3756,13 +3756,13 @@
               <a:t>(Sing a little louder)</a:t>
             </a:r>
             <a:br>
-              <a:rPr lang="en-GB" sz="5400" dirty="0">
+              <a:rPr lang="en-GB" sz="3600" dirty="0">
                 <a:solidFill>
                   <a:schemeClr val="bg1"/>
                 </a:solidFill>
               </a:rPr>
             </a:br>
-            <a:endParaRPr lang="en-GB" sz="5400" dirty="0">
+            <a:endParaRPr lang="en-GB" sz="3600" dirty="0">
               <a:solidFill>
                 <a:schemeClr val="bg1"/>
               </a:solidFill>
@@ -3840,7 +3840,7 @@
         </p:nvSpPr>
         <p:spPr>
           <a:xfrm>
-            <a:off x="323528" y="188640"/>
+            <a:off x="251520" y="764704"/>
             <a:ext cx="8640960" cy="6480720"/>
           </a:xfrm>
         </p:spPr>
@@ -3851,7 +3851,7 @@
           <a:lstStyle/>
           <a:p>
             <a:r>
-              <a:rPr lang="en-GB" sz="5400" dirty="0">
+              <a:rPr lang="en-GB" sz="3600" dirty="0">
                 <a:solidFill>
                   <a:schemeClr val="bg1"/>
                 </a:solidFill>
@@ -3859,14 +3859,14 @@
               <a:t>Sing a little louder in the presence of my enemies</a:t>
             </a:r>
             <a:br>
-              <a:rPr lang="en-GB" sz="5400" dirty="0">
+              <a:rPr lang="en-GB" sz="3600" dirty="0">
                 <a:solidFill>
                   <a:schemeClr val="bg1"/>
                 </a:solidFill>
               </a:rPr>
             </a:br>
             <a:r>
-              <a:rPr lang="en-GB" sz="5400" dirty="0">
+              <a:rPr lang="en-GB" sz="3600" dirty="0">
                 <a:solidFill>
                   <a:schemeClr val="bg1"/>
                 </a:solidFill>
@@ -3874,7 +3874,7 @@
               <a:t>Sing a little louder </a:t>
             </a:r>
             <a:r>
-              <a:rPr lang="en-GB" sz="5400" dirty="0" err="1">
+              <a:rPr lang="en-GB" sz="3600" dirty="0" err="1">
                 <a:solidFill>
                   <a:schemeClr val="bg1"/>
                 </a:solidFill>
@@ -3882,7 +3882,7 @@
               <a:t>louder</a:t>
             </a:r>
             <a:r>
-              <a:rPr lang="en-GB" sz="5400" dirty="0">
+              <a:rPr lang="en-GB" sz="3600" dirty="0">
                 <a:solidFill>
                   <a:schemeClr val="bg1"/>
                 </a:solidFill>
@@ -3890,14 +3890,14 @@
               <a:t> than the unbelief</a:t>
             </a:r>
             <a:br>
-              <a:rPr lang="en-GB" sz="5400" dirty="0">
+              <a:rPr lang="en-GB" sz="3600" dirty="0">
                 <a:solidFill>
                   <a:schemeClr val="bg1"/>
                 </a:solidFill>
               </a:rPr>
             </a:br>
             <a:r>
-              <a:rPr lang="en-GB" sz="5400" dirty="0">
+              <a:rPr lang="en-GB" sz="3600" dirty="0">
                 <a:solidFill>
                   <a:schemeClr val="bg1"/>
                 </a:solidFill>
@@ -3905,14 +3905,14 @@
               <a:t>Sing a little louder my weapon is a melody</a:t>
             </a:r>
             <a:br>
-              <a:rPr lang="en-GB" sz="5400" dirty="0">
+              <a:rPr lang="en-GB" sz="3600" dirty="0">
                 <a:solidFill>
                   <a:schemeClr val="bg1"/>
                 </a:solidFill>
               </a:rPr>
             </a:br>
             <a:r>
-              <a:rPr lang="en-GB" sz="5400" dirty="0">
+              <a:rPr lang="en-GB" sz="3600" dirty="0">
                 <a:solidFill>
                   <a:schemeClr val="bg1"/>
                 </a:solidFill>
@@ -3992,7 +3992,7 @@
         </p:nvSpPr>
         <p:spPr>
           <a:xfrm>
-            <a:off x="323528" y="188640"/>
+            <a:off x="323528" y="692696"/>
             <a:ext cx="8640960" cy="6480720"/>
           </a:xfrm>
         </p:spPr>
@@ -4003,7 +4003,7 @@
           <a:lstStyle/>
           <a:p>
             <a:r>
-              <a:rPr lang="en-GB" sz="5400" dirty="0">
+              <a:rPr lang="en-GB" sz="3600" dirty="0">
                 <a:solidFill>
                   <a:schemeClr val="bg1"/>
                 </a:solidFill>
@@ -4011,7 +4011,7 @@
               <a:t>I’m </a:t>
             </a:r>
             <a:r>
-              <a:rPr lang="en-GB" sz="5400" dirty="0" err="1">
+              <a:rPr lang="en-GB" sz="3600" dirty="0" err="1">
                 <a:solidFill>
                   <a:schemeClr val="bg1"/>
                 </a:solidFill>
@@ -4019,7 +4019,7 @@
               <a:t>gonna</a:t>
             </a:r>
             <a:r>
-              <a:rPr lang="en-GB" sz="5400" dirty="0">
+              <a:rPr lang="en-GB" sz="3600" dirty="0">
                 <a:solidFill>
                   <a:schemeClr val="bg1"/>
                 </a:solidFill>
@@ -4027,14 +4027,14 @@
               <a:t> sing in the middle of the storm</a:t>
             </a:r>
             <a:br>
-              <a:rPr lang="en-GB" sz="5400" dirty="0">
+              <a:rPr lang="en-GB" sz="3600" dirty="0">
                 <a:solidFill>
                   <a:schemeClr val="bg1"/>
                 </a:solidFill>
               </a:rPr>
             </a:br>
             <a:r>
-              <a:rPr lang="en-GB" sz="5400" dirty="0">
+              <a:rPr lang="en-GB" sz="3600" dirty="0">
                 <a:solidFill>
                   <a:schemeClr val="bg1"/>
                 </a:solidFill>
@@ -4042,7 +4042,7 @@
               <a:t>Louder and louder you’re </a:t>
             </a:r>
             <a:r>
-              <a:rPr lang="en-GB" sz="5400" dirty="0" err="1">
+              <a:rPr lang="en-GB" sz="3600" dirty="0" err="1">
                 <a:solidFill>
                   <a:schemeClr val="bg1"/>
                 </a:solidFill>
@@ -4050,7 +4050,7 @@
               <a:t>gonna</a:t>
             </a:r>
             <a:r>
-              <a:rPr lang="en-GB" sz="5400" dirty="0">
+              <a:rPr lang="en-GB" sz="3600" dirty="0">
                 <a:solidFill>
                   <a:schemeClr val="bg1"/>
                 </a:solidFill>
@@ -4058,14 +4058,14 @@
               <a:t> hear my praises roar</a:t>
             </a:r>
             <a:br>
-              <a:rPr lang="en-GB" sz="5400" dirty="0">
+              <a:rPr lang="en-GB" sz="3600" dirty="0">
                 <a:solidFill>
                   <a:schemeClr val="bg1"/>
                 </a:solidFill>
               </a:rPr>
             </a:br>
             <a:r>
-              <a:rPr lang="en-GB" sz="5400" dirty="0">
+              <a:rPr lang="en-GB" sz="3600" dirty="0">
                 <a:solidFill>
                   <a:schemeClr val="bg1"/>
                 </a:solidFill>
@@ -4073,14 +4073,14 @@
               <a:t>Up from the ashes hope will arise</a:t>
             </a:r>
             <a:br>
-              <a:rPr lang="en-GB" sz="5400" dirty="0">
+              <a:rPr lang="en-GB" sz="3600" dirty="0">
                 <a:solidFill>
                   <a:schemeClr val="bg1"/>
                 </a:solidFill>
               </a:rPr>
             </a:br>
             <a:r>
-              <a:rPr lang="en-GB" sz="5400" dirty="0">
+              <a:rPr lang="en-GB" sz="3600" dirty="0">
                 <a:solidFill>
                   <a:schemeClr val="bg1"/>
                 </a:solidFill>
@@ -4160,7 +4160,7 @@
         </p:nvSpPr>
         <p:spPr>
           <a:xfrm>
-            <a:off x="323528" y="188640"/>
+            <a:off x="251520" y="836712"/>
             <a:ext cx="8640960" cy="6480720"/>
           </a:xfrm>
         </p:spPr>
@@ -4171,7 +4171,7 @@
           <a:lstStyle/>
           <a:p>
             <a:r>
-              <a:rPr lang="en-GB" sz="4800" dirty="0">
+              <a:rPr lang="en-GB" sz="3600" dirty="0">
                 <a:solidFill>
                   <a:schemeClr val="bg1"/>
                 </a:solidFill>
@@ -4179,14 +4179,14 @@
               <a:t>I raise a hallelujah in the presence of my enemies</a:t>
             </a:r>
             <a:br>
-              <a:rPr lang="en-GB" sz="4800" dirty="0">
+              <a:rPr lang="en-GB" sz="3600" dirty="0">
                 <a:solidFill>
                   <a:schemeClr val="bg1"/>
                 </a:solidFill>
               </a:rPr>
             </a:br>
             <a:r>
-              <a:rPr lang="en-GB" sz="4800" dirty="0">
+              <a:rPr lang="en-GB" sz="3600" dirty="0">
                 <a:solidFill>
                   <a:schemeClr val="bg1"/>
                 </a:solidFill>
@@ -4194,14 +4194,14 @@
               <a:t>I raise a hallelujah louder than the unbelief</a:t>
             </a:r>
             <a:br>
-              <a:rPr lang="en-GB" sz="4800" dirty="0">
+              <a:rPr lang="en-GB" sz="3600" dirty="0">
                 <a:solidFill>
                   <a:schemeClr val="bg1"/>
                 </a:solidFill>
               </a:rPr>
             </a:br>
             <a:r>
-              <a:rPr lang="en-GB" sz="4800" dirty="0">
+              <a:rPr lang="en-GB" sz="3600" dirty="0">
                 <a:solidFill>
                   <a:schemeClr val="bg1"/>
                 </a:solidFill>
@@ -4209,14 +4209,14 @@
               <a:t>I raise a hallelujah my weapon is a melody</a:t>
             </a:r>
             <a:br>
-              <a:rPr lang="en-GB" sz="4800" dirty="0">
+              <a:rPr lang="en-GB" sz="3600" dirty="0">
                 <a:solidFill>
                   <a:schemeClr val="bg1"/>
                 </a:solidFill>
               </a:rPr>
             </a:br>
             <a:r>
-              <a:rPr lang="en-GB" sz="4800" dirty="0">
+              <a:rPr lang="en-GB" sz="3600" dirty="0">
                 <a:solidFill>
                   <a:schemeClr val="bg1"/>
                 </a:solidFill>

--- a/docs/songs/raise a hallelujah.pptx
+++ b/docs/songs/raise a hallelujah.pptx
@@ -312,7 +312,7 @@
             <a:fld id="{26EA1CF3-4A15-4CBF-9A5A-6A56C368BE71}" type="datetimeFigureOut">
               <a:rPr lang="en-GB" smtClean="0"/>
               <a:pPr/>
-              <a:t>28/10/2024</a:t>
+              <a:t>03/10/2022</a:t>
             </a:fld>
             <a:endParaRPr lang="en-GB"/>
           </a:p>
@@ -479,7 +479,7 @@
             <a:fld id="{26EA1CF3-4A15-4CBF-9A5A-6A56C368BE71}" type="datetimeFigureOut">
               <a:rPr lang="en-GB" smtClean="0"/>
               <a:pPr/>
-              <a:t>28/10/2024</a:t>
+              <a:t>03/10/2022</a:t>
             </a:fld>
             <a:endParaRPr lang="en-GB"/>
           </a:p>
@@ -656,7 +656,7 @@
             <a:fld id="{26EA1CF3-4A15-4CBF-9A5A-6A56C368BE71}" type="datetimeFigureOut">
               <a:rPr lang="en-GB" smtClean="0"/>
               <a:pPr/>
-              <a:t>28/10/2024</a:t>
+              <a:t>03/10/2022</a:t>
             </a:fld>
             <a:endParaRPr lang="en-GB"/>
           </a:p>
@@ -823,7 +823,7 @@
             <a:fld id="{26EA1CF3-4A15-4CBF-9A5A-6A56C368BE71}" type="datetimeFigureOut">
               <a:rPr lang="en-GB" smtClean="0"/>
               <a:pPr/>
-              <a:t>28/10/2024</a:t>
+              <a:t>03/10/2022</a:t>
             </a:fld>
             <a:endParaRPr lang="en-GB"/>
           </a:p>
@@ -1066,7 +1066,7 @@
             <a:fld id="{26EA1CF3-4A15-4CBF-9A5A-6A56C368BE71}" type="datetimeFigureOut">
               <a:rPr lang="en-GB" smtClean="0"/>
               <a:pPr/>
-              <a:t>28/10/2024</a:t>
+              <a:t>03/10/2022</a:t>
             </a:fld>
             <a:endParaRPr lang="en-GB"/>
           </a:p>
@@ -1351,7 +1351,7 @@
             <a:fld id="{26EA1CF3-4A15-4CBF-9A5A-6A56C368BE71}" type="datetimeFigureOut">
               <a:rPr lang="en-GB" smtClean="0"/>
               <a:pPr/>
-              <a:t>28/10/2024</a:t>
+              <a:t>03/10/2022</a:t>
             </a:fld>
             <a:endParaRPr lang="en-GB"/>
           </a:p>
@@ -1770,7 +1770,7 @@
             <a:fld id="{26EA1CF3-4A15-4CBF-9A5A-6A56C368BE71}" type="datetimeFigureOut">
               <a:rPr lang="en-GB" smtClean="0"/>
               <a:pPr/>
-              <a:t>28/10/2024</a:t>
+              <a:t>03/10/2022</a:t>
             </a:fld>
             <a:endParaRPr lang="en-GB"/>
           </a:p>
@@ -1885,7 +1885,7 @@
             <a:fld id="{26EA1CF3-4A15-4CBF-9A5A-6A56C368BE71}" type="datetimeFigureOut">
               <a:rPr lang="en-GB" smtClean="0"/>
               <a:pPr/>
-              <a:t>28/10/2024</a:t>
+              <a:t>03/10/2022</a:t>
             </a:fld>
             <a:endParaRPr lang="en-GB"/>
           </a:p>
@@ -1977,7 +1977,7 @@
             <a:fld id="{26EA1CF3-4A15-4CBF-9A5A-6A56C368BE71}" type="datetimeFigureOut">
               <a:rPr lang="en-GB" smtClean="0"/>
               <a:pPr/>
-              <a:t>28/10/2024</a:t>
+              <a:t>03/10/2022</a:t>
             </a:fld>
             <a:endParaRPr lang="en-GB"/>
           </a:p>
@@ -2251,7 +2251,7 @@
             <a:fld id="{26EA1CF3-4A15-4CBF-9A5A-6A56C368BE71}" type="datetimeFigureOut">
               <a:rPr lang="en-GB" smtClean="0"/>
               <a:pPr/>
-              <a:t>28/10/2024</a:t>
+              <a:t>03/10/2022</a:t>
             </a:fld>
             <a:endParaRPr lang="en-GB"/>
           </a:p>
@@ -2501,7 +2501,7 @@
             <a:fld id="{26EA1CF3-4A15-4CBF-9A5A-6A56C368BE71}" type="datetimeFigureOut">
               <a:rPr lang="en-GB" smtClean="0"/>
               <a:pPr/>
-              <a:t>28/10/2024</a:t>
+              <a:t>03/10/2022</a:t>
             </a:fld>
             <a:endParaRPr lang="en-GB"/>
           </a:p>
@@ -2714,7 +2714,7 @@
             <a:fld id="{26EA1CF3-4A15-4CBF-9A5A-6A56C368BE71}" type="datetimeFigureOut">
               <a:rPr lang="en-GB" smtClean="0"/>
               <a:pPr/>
-              <a:t>28/10/2024</a:t>
+              <a:t>03/10/2022</a:t>
             </a:fld>
             <a:endParaRPr lang="en-GB"/>
           </a:p>
@@ -3245,7 +3245,7 @@
         </p:nvSpPr>
         <p:spPr>
           <a:xfrm>
-            <a:off x="251520" y="764704"/>
+            <a:off x="323528" y="188640"/>
             <a:ext cx="8640960" cy="6480720"/>
           </a:xfrm>
         </p:spPr>
@@ -3256,7 +3256,7 @@
           <a:lstStyle/>
           <a:p>
             <a:r>
-              <a:rPr lang="en-GB" sz="3600" dirty="0">
+              <a:rPr lang="en-GB" sz="4800" dirty="0">
                 <a:solidFill>
                   <a:schemeClr val="bg1"/>
                 </a:solidFill>
@@ -3264,14 +3264,14 @@
               <a:t>I raise a hallelujah in the presence of my enemies</a:t>
             </a:r>
             <a:br>
-              <a:rPr lang="en-GB" sz="3600" dirty="0">
+              <a:rPr lang="en-GB" sz="4800" dirty="0">
                 <a:solidFill>
                   <a:schemeClr val="bg1"/>
                 </a:solidFill>
               </a:rPr>
             </a:br>
             <a:r>
-              <a:rPr lang="en-GB" sz="3600" dirty="0">
+              <a:rPr lang="en-GB" sz="4800" dirty="0">
                 <a:solidFill>
                   <a:schemeClr val="bg1"/>
                 </a:solidFill>
@@ -3279,14 +3279,14 @@
               <a:t>I raise a hallelujah louder than the unbelief</a:t>
             </a:r>
             <a:br>
-              <a:rPr lang="en-GB" sz="3600" dirty="0">
+              <a:rPr lang="en-GB" sz="4800" dirty="0">
                 <a:solidFill>
                   <a:schemeClr val="bg1"/>
                 </a:solidFill>
               </a:rPr>
             </a:br>
             <a:r>
-              <a:rPr lang="en-GB" sz="3600" dirty="0">
+              <a:rPr lang="en-GB" sz="4800" dirty="0">
                 <a:solidFill>
                   <a:schemeClr val="bg1"/>
                 </a:solidFill>
@@ -3294,14 +3294,14 @@
               <a:t>I raise a hallelujah my weapon is a melody</a:t>
             </a:r>
             <a:br>
-              <a:rPr lang="en-GB" sz="3600" dirty="0">
+              <a:rPr lang="en-GB" sz="4800" dirty="0">
                 <a:solidFill>
                   <a:schemeClr val="bg1"/>
                 </a:solidFill>
               </a:rPr>
             </a:br>
             <a:r>
-              <a:rPr lang="en-GB" sz="3600" dirty="0">
+              <a:rPr lang="en-GB" sz="4800" dirty="0">
                 <a:solidFill>
                   <a:schemeClr val="bg1"/>
                 </a:solidFill>
@@ -3381,7 +3381,7 @@
         </p:nvSpPr>
         <p:spPr>
           <a:xfrm>
-            <a:off x="251520" y="764704"/>
+            <a:off x="323528" y="188640"/>
             <a:ext cx="8640960" cy="6480720"/>
           </a:xfrm>
         </p:spPr>
@@ -3392,7 +3392,7 @@
           <a:lstStyle/>
           <a:p>
             <a:r>
-              <a:rPr lang="en-GB" sz="3600" dirty="0">
+              <a:rPr lang="en-GB" sz="5400" dirty="0">
                 <a:solidFill>
                   <a:schemeClr val="bg1"/>
                 </a:solidFill>
@@ -3400,7 +3400,7 @@
               <a:t>I’m </a:t>
             </a:r>
             <a:r>
-              <a:rPr lang="en-GB" sz="3600" dirty="0" err="1">
+              <a:rPr lang="en-GB" sz="5400" dirty="0" err="1">
                 <a:solidFill>
                   <a:schemeClr val="bg1"/>
                 </a:solidFill>
@@ -3408,7 +3408,7 @@
               <a:t>gonna</a:t>
             </a:r>
             <a:r>
-              <a:rPr lang="en-GB" sz="3600" dirty="0">
+              <a:rPr lang="en-GB" sz="5400" dirty="0">
                 <a:solidFill>
                   <a:schemeClr val="bg1"/>
                 </a:solidFill>
@@ -3416,14 +3416,14 @@
               <a:t> sing in the middle of the storm</a:t>
             </a:r>
             <a:br>
-              <a:rPr lang="en-GB" sz="3600" dirty="0">
+              <a:rPr lang="en-GB" sz="5400" dirty="0">
                 <a:solidFill>
                   <a:schemeClr val="bg1"/>
                 </a:solidFill>
               </a:rPr>
             </a:br>
             <a:r>
-              <a:rPr lang="en-GB" sz="3600" dirty="0">
+              <a:rPr lang="en-GB" sz="5400" dirty="0">
                 <a:solidFill>
                   <a:schemeClr val="bg1"/>
                 </a:solidFill>
@@ -3431,7 +3431,7 @@
               <a:t>Louder and louder you’re </a:t>
             </a:r>
             <a:r>
-              <a:rPr lang="en-GB" sz="3600" dirty="0" err="1">
+              <a:rPr lang="en-GB" sz="5400" dirty="0" err="1">
                 <a:solidFill>
                   <a:schemeClr val="bg1"/>
                 </a:solidFill>
@@ -3439,7 +3439,7 @@
               <a:t>gonna</a:t>
             </a:r>
             <a:r>
-              <a:rPr lang="en-GB" sz="3600" dirty="0">
+              <a:rPr lang="en-GB" sz="5400" dirty="0">
                 <a:solidFill>
                   <a:schemeClr val="bg1"/>
                 </a:solidFill>
@@ -3447,14 +3447,14 @@
               <a:t> hear my praises roar</a:t>
             </a:r>
             <a:br>
-              <a:rPr lang="en-GB" sz="3600" dirty="0">
+              <a:rPr lang="en-GB" sz="5400" dirty="0">
                 <a:solidFill>
                   <a:schemeClr val="bg1"/>
                 </a:solidFill>
               </a:rPr>
             </a:br>
             <a:r>
-              <a:rPr lang="en-GB" sz="3600" dirty="0">
+              <a:rPr lang="en-GB" sz="5400" dirty="0">
                 <a:solidFill>
                   <a:schemeClr val="bg1"/>
                 </a:solidFill>
@@ -3462,14 +3462,14 @@
               <a:t>Up from the ashes hope will arise</a:t>
             </a:r>
             <a:br>
-              <a:rPr lang="en-GB" sz="3600" dirty="0">
+              <a:rPr lang="en-GB" sz="5400" dirty="0">
                 <a:solidFill>
                   <a:schemeClr val="bg1"/>
                 </a:solidFill>
               </a:rPr>
             </a:br>
             <a:r>
-              <a:rPr lang="en-GB" sz="3600" dirty="0">
+              <a:rPr lang="en-GB" sz="5400" dirty="0">
                 <a:solidFill>
                   <a:schemeClr val="bg1"/>
                 </a:solidFill>
@@ -3549,7 +3549,7 @@
         </p:nvSpPr>
         <p:spPr>
           <a:xfrm>
-            <a:off x="251520" y="764704"/>
+            <a:off x="323528" y="188640"/>
             <a:ext cx="8640960" cy="6480720"/>
           </a:xfrm>
         </p:spPr>
@@ -3560,7 +3560,7 @@
           <a:lstStyle/>
           <a:p>
             <a:r>
-              <a:rPr lang="en-GB" sz="3600" dirty="0">
+              <a:rPr lang="en-GB" sz="4800" dirty="0">
                 <a:solidFill>
                   <a:schemeClr val="bg1"/>
                 </a:solidFill>
@@ -3568,14 +3568,14 @@
               <a:t>I raise a hallelujah with everything inside of me</a:t>
             </a:r>
             <a:br>
-              <a:rPr lang="en-GB" sz="3600" dirty="0">
+              <a:rPr lang="en-GB" sz="4800" dirty="0">
                 <a:solidFill>
                   <a:schemeClr val="bg1"/>
                 </a:solidFill>
               </a:rPr>
             </a:br>
             <a:r>
-              <a:rPr lang="en-GB" sz="3600" dirty="0">
+              <a:rPr lang="en-GB" sz="4800" dirty="0">
                 <a:solidFill>
                   <a:schemeClr val="bg1"/>
                 </a:solidFill>
@@ -3583,14 +3583,14 @@
               <a:t>I raise a hallelujah I will watch the darkness flee</a:t>
             </a:r>
             <a:br>
-              <a:rPr lang="en-GB" sz="3600" dirty="0">
+              <a:rPr lang="en-GB" sz="4800" dirty="0">
                 <a:solidFill>
                   <a:schemeClr val="bg1"/>
                 </a:solidFill>
               </a:rPr>
             </a:br>
             <a:r>
-              <a:rPr lang="en-GB" sz="3600" dirty="0">
+              <a:rPr lang="en-GB" sz="4800" dirty="0">
                 <a:solidFill>
                   <a:schemeClr val="bg1"/>
                 </a:solidFill>
@@ -3598,14 +3598,14 @@
               <a:t>I raise a hallelujah in the middle of the mystery</a:t>
             </a:r>
             <a:br>
-              <a:rPr lang="en-GB" sz="3600" dirty="0">
+              <a:rPr lang="en-GB" sz="4800" dirty="0">
                 <a:solidFill>
                   <a:schemeClr val="bg1"/>
                 </a:solidFill>
               </a:rPr>
             </a:br>
             <a:r>
-              <a:rPr lang="en-GB" sz="3600" dirty="0">
+              <a:rPr lang="en-GB" sz="4800" dirty="0">
                 <a:solidFill>
                   <a:schemeClr val="bg1"/>
                 </a:solidFill>
@@ -3695,7 +3695,7 @@
           </a:bodyPr>
           <a:lstStyle/>
           <a:p>
-            <a:endParaRPr lang="en-GB" sz="3600" dirty="0">
+            <a:endParaRPr lang="en-GB" sz="5400" dirty="0">
               <a:solidFill>
                 <a:schemeClr val="bg1"/>
               </a:solidFill>
@@ -3703,7 +3703,7 @@
           </a:p>
           <a:p>
             <a:r>
-              <a:rPr lang="en-GB" sz="3600" dirty="0">
+              <a:rPr lang="en-GB" sz="5400" dirty="0">
                 <a:solidFill>
                   <a:schemeClr val="bg1"/>
                 </a:solidFill>
@@ -3711,14 +3711,14 @@
               <a:t>Sing a little louder </a:t>
             </a:r>
             <a:br>
-              <a:rPr lang="en-GB" sz="3600" dirty="0">
+              <a:rPr lang="en-GB" sz="5400" dirty="0">
                 <a:solidFill>
                   <a:schemeClr val="bg1"/>
                 </a:solidFill>
               </a:rPr>
             </a:br>
             <a:r>
-              <a:rPr lang="en-GB" sz="3600" dirty="0">
+              <a:rPr lang="en-GB" sz="5400" dirty="0">
                 <a:solidFill>
                   <a:schemeClr val="bg1"/>
                 </a:solidFill>
@@ -3726,14 +3726,14 @@
               <a:t>(Sing a little louder)</a:t>
             </a:r>
             <a:br>
-              <a:rPr lang="en-GB" sz="3600" dirty="0">
+              <a:rPr lang="en-GB" sz="5400" dirty="0">
                 <a:solidFill>
                   <a:schemeClr val="bg1"/>
                 </a:solidFill>
               </a:rPr>
             </a:br>
             <a:r>
-              <a:rPr lang="en-GB" sz="3600" dirty="0">
+              <a:rPr lang="en-GB" sz="5400" dirty="0">
                 <a:solidFill>
                   <a:schemeClr val="bg1"/>
                 </a:solidFill>
@@ -3741,14 +3741,14 @@
               <a:t>Sing a little louder </a:t>
             </a:r>
             <a:br>
-              <a:rPr lang="en-GB" sz="3600" dirty="0">
+              <a:rPr lang="en-GB" sz="5400" dirty="0">
                 <a:solidFill>
                   <a:schemeClr val="bg1"/>
                 </a:solidFill>
               </a:rPr>
             </a:br>
             <a:r>
-              <a:rPr lang="en-GB" sz="3600" dirty="0">
+              <a:rPr lang="en-GB" sz="5400" dirty="0">
                 <a:solidFill>
                   <a:schemeClr val="bg1"/>
                 </a:solidFill>
@@ -3756,13 +3756,13 @@
               <a:t>(Sing a little louder)</a:t>
             </a:r>
             <a:br>
-              <a:rPr lang="en-GB" sz="3600" dirty="0">
+              <a:rPr lang="en-GB" sz="5400" dirty="0">
                 <a:solidFill>
                   <a:schemeClr val="bg1"/>
                 </a:solidFill>
               </a:rPr>
             </a:br>
-            <a:endParaRPr lang="en-GB" sz="3600" dirty="0">
+            <a:endParaRPr lang="en-GB" sz="5400" dirty="0">
               <a:solidFill>
                 <a:schemeClr val="bg1"/>
               </a:solidFill>
@@ -3840,7 +3840,7 @@
         </p:nvSpPr>
         <p:spPr>
           <a:xfrm>
-            <a:off x="251520" y="764704"/>
+            <a:off x="323528" y="188640"/>
             <a:ext cx="8640960" cy="6480720"/>
           </a:xfrm>
         </p:spPr>
@@ -3851,7 +3851,7 @@
           <a:lstStyle/>
           <a:p>
             <a:r>
-              <a:rPr lang="en-GB" sz="3600" dirty="0">
+              <a:rPr lang="en-GB" sz="5400" dirty="0">
                 <a:solidFill>
                   <a:schemeClr val="bg1"/>
                 </a:solidFill>
@@ -3859,14 +3859,14 @@
               <a:t>Sing a little louder in the presence of my enemies</a:t>
             </a:r>
             <a:br>
-              <a:rPr lang="en-GB" sz="3600" dirty="0">
+              <a:rPr lang="en-GB" sz="5400" dirty="0">
                 <a:solidFill>
                   <a:schemeClr val="bg1"/>
                 </a:solidFill>
               </a:rPr>
             </a:br>
             <a:r>
-              <a:rPr lang="en-GB" sz="3600" dirty="0">
+              <a:rPr lang="en-GB" sz="5400" dirty="0">
                 <a:solidFill>
                   <a:schemeClr val="bg1"/>
                 </a:solidFill>
@@ -3874,7 +3874,7 @@
               <a:t>Sing a little louder </a:t>
             </a:r>
             <a:r>
-              <a:rPr lang="en-GB" sz="3600" dirty="0" err="1">
+              <a:rPr lang="en-GB" sz="5400" dirty="0" err="1">
                 <a:solidFill>
                   <a:schemeClr val="bg1"/>
                 </a:solidFill>
@@ -3882,7 +3882,7 @@
               <a:t>louder</a:t>
             </a:r>
             <a:r>
-              <a:rPr lang="en-GB" sz="3600" dirty="0">
+              <a:rPr lang="en-GB" sz="5400" dirty="0">
                 <a:solidFill>
                   <a:schemeClr val="bg1"/>
                 </a:solidFill>
@@ -3890,14 +3890,14 @@
               <a:t> than the unbelief</a:t>
             </a:r>
             <a:br>
-              <a:rPr lang="en-GB" sz="3600" dirty="0">
+              <a:rPr lang="en-GB" sz="5400" dirty="0">
                 <a:solidFill>
                   <a:schemeClr val="bg1"/>
                 </a:solidFill>
               </a:rPr>
             </a:br>
             <a:r>
-              <a:rPr lang="en-GB" sz="3600" dirty="0">
+              <a:rPr lang="en-GB" sz="5400" dirty="0">
                 <a:solidFill>
                   <a:schemeClr val="bg1"/>
                 </a:solidFill>
@@ -3905,14 +3905,14 @@
               <a:t>Sing a little louder my weapon is a melody</a:t>
             </a:r>
             <a:br>
-              <a:rPr lang="en-GB" sz="3600" dirty="0">
+              <a:rPr lang="en-GB" sz="5400" dirty="0">
                 <a:solidFill>
                   <a:schemeClr val="bg1"/>
                 </a:solidFill>
               </a:rPr>
             </a:br>
             <a:r>
-              <a:rPr lang="en-GB" sz="3600" dirty="0">
+              <a:rPr lang="en-GB" sz="5400" dirty="0">
                 <a:solidFill>
                   <a:schemeClr val="bg1"/>
                 </a:solidFill>
@@ -3992,7 +3992,7 @@
         </p:nvSpPr>
         <p:spPr>
           <a:xfrm>
-            <a:off x="323528" y="692696"/>
+            <a:off x="323528" y="188640"/>
             <a:ext cx="8640960" cy="6480720"/>
           </a:xfrm>
         </p:spPr>
@@ -4003,7 +4003,7 @@
           <a:lstStyle/>
           <a:p>
             <a:r>
-              <a:rPr lang="en-GB" sz="3600" dirty="0">
+              <a:rPr lang="en-GB" sz="5400" dirty="0">
                 <a:solidFill>
                   <a:schemeClr val="bg1"/>
                 </a:solidFill>
@@ -4011,7 +4011,7 @@
               <a:t>I’m </a:t>
             </a:r>
             <a:r>
-              <a:rPr lang="en-GB" sz="3600" dirty="0" err="1">
+              <a:rPr lang="en-GB" sz="5400" dirty="0" err="1">
                 <a:solidFill>
                   <a:schemeClr val="bg1"/>
                 </a:solidFill>
@@ -4019,7 +4019,7 @@
               <a:t>gonna</a:t>
             </a:r>
             <a:r>
-              <a:rPr lang="en-GB" sz="3600" dirty="0">
+              <a:rPr lang="en-GB" sz="5400" dirty="0">
                 <a:solidFill>
                   <a:schemeClr val="bg1"/>
                 </a:solidFill>
@@ -4027,14 +4027,14 @@
               <a:t> sing in the middle of the storm</a:t>
             </a:r>
             <a:br>
-              <a:rPr lang="en-GB" sz="3600" dirty="0">
+              <a:rPr lang="en-GB" sz="5400" dirty="0">
                 <a:solidFill>
                   <a:schemeClr val="bg1"/>
                 </a:solidFill>
               </a:rPr>
             </a:br>
             <a:r>
-              <a:rPr lang="en-GB" sz="3600" dirty="0">
+              <a:rPr lang="en-GB" sz="5400" dirty="0">
                 <a:solidFill>
                   <a:schemeClr val="bg1"/>
                 </a:solidFill>
@@ -4042,7 +4042,7 @@
               <a:t>Louder and louder you’re </a:t>
             </a:r>
             <a:r>
-              <a:rPr lang="en-GB" sz="3600" dirty="0" err="1">
+              <a:rPr lang="en-GB" sz="5400" dirty="0" err="1">
                 <a:solidFill>
                   <a:schemeClr val="bg1"/>
                 </a:solidFill>
@@ -4050,7 +4050,7 @@
               <a:t>gonna</a:t>
             </a:r>
             <a:r>
-              <a:rPr lang="en-GB" sz="3600" dirty="0">
+              <a:rPr lang="en-GB" sz="5400" dirty="0">
                 <a:solidFill>
                   <a:schemeClr val="bg1"/>
                 </a:solidFill>
@@ -4058,14 +4058,14 @@
               <a:t> hear my praises roar</a:t>
             </a:r>
             <a:br>
-              <a:rPr lang="en-GB" sz="3600" dirty="0">
+              <a:rPr lang="en-GB" sz="5400" dirty="0">
                 <a:solidFill>
                   <a:schemeClr val="bg1"/>
                 </a:solidFill>
               </a:rPr>
             </a:br>
             <a:r>
-              <a:rPr lang="en-GB" sz="3600" dirty="0">
+              <a:rPr lang="en-GB" sz="5400" dirty="0">
                 <a:solidFill>
                   <a:schemeClr val="bg1"/>
                 </a:solidFill>
@@ -4073,14 +4073,14 @@
               <a:t>Up from the ashes hope will arise</a:t>
             </a:r>
             <a:br>
-              <a:rPr lang="en-GB" sz="3600" dirty="0">
+              <a:rPr lang="en-GB" sz="5400" dirty="0">
                 <a:solidFill>
                   <a:schemeClr val="bg1"/>
                 </a:solidFill>
               </a:rPr>
             </a:br>
             <a:r>
-              <a:rPr lang="en-GB" sz="3600" dirty="0">
+              <a:rPr lang="en-GB" sz="5400" dirty="0">
                 <a:solidFill>
                   <a:schemeClr val="bg1"/>
                 </a:solidFill>
@@ -4160,7 +4160,7 @@
         </p:nvSpPr>
         <p:spPr>
           <a:xfrm>
-            <a:off x="251520" y="836712"/>
+            <a:off x="323528" y="188640"/>
             <a:ext cx="8640960" cy="6480720"/>
           </a:xfrm>
         </p:spPr>
@@ -4171,7 +4171,7 @@
           <a:lstStyle/>
           <a:p>
             <a:r>
-              <a:rPr lang="en-GB" sz="3600" dirty="0">
+              <a:rPr lang="en-GB" sz="4800" dirty="0">
                 <a:solidFill>
                   <a:schemeClr val="bg1"/>
                 </a:solidFill>
@@ -4179,14 +4179,14 @@
               <a:t>I raise a hallelujah in the presence of my enemies</a:t>
             </a:r>
             <a:br>
-              <a:rPr lang="en-GB" sz="3600" dirty="0">
+              <a:rPr lang="en-GB" sz="4800" dirty="0">
                 <a:solidFill>
                   <a:schemeClr val="bg1"/>
                 </a:solidFill>
               </a:rPr>
             </a:br>
             <a:r>
-              <a:rPr lang="en-GB" sz="3600" dirty="0">
+              <a:rPr lang="en-GB" sz="4800" dirty="0">
                 <a:solidFill>
                   <a:schemeClr val="bg1"/>
                 </a:solidFill>
@@ -4194,14 +4194,14 @@
               <a:t>I raise a hallelujah louder than the unbelief</a:t>
             </a:r>
             <a:br>
-              <a:rPr lang="en-GB" sz="3600" dirty="0">
+              <a:rPr lang="en-GB" sz="4800" dirty="0">
                 <a:solidFill>
                   <a:schemeClr val="bg1"/>
                 </a:solidFill>
               </a:rPr>
             </a:br>
             <a:r>
-              <a:rPr lang="en-GB" sz="3600" dirty="0">
+              <a:rPr lang="en-GB" sz="4800" dirty="0">
                 <a:solidFill>
                   <a:schemeClr val="bg1"/>
                 </a:solidFill>
@@ -4209,14 +4209,14 @@
               <a:t>I raise a hallelujah my weapon is a melody</a:t>
             </a:r>
             <a:br>
-              <a:rPr lang="en-GB" sz="3600" dirty="0">
+              <a:rPr lang="en-GB" sz="4800" dirty="0">
                 <a:solidFill>
                   <a:schemeClr val="bg1"/>
                 </a:solidFill>
               </a:rPr>
             </a:br>
             <a:r>
-              <a:rPr lang="en-GB" sz="3600" dirty="0">
+              <a:rPr lang="en-GB" sz="4800" dirty="0">
                 <a:solidFill>
                   <a:schemeClr val="bg1"/>
                 </a:solidFill>

--- a/docs/songs/raise a hallelujah.pptx
+++ b/docs/songs/raise a hallelujah.pptx
@@ -9,10 +9,11 @@
     <p:sldId id="383" r:id="rId3"/>
     <p:sldId id="385" r:id="rId4"/>
     <p:sldId id="395" r:id="rId5"/>
-    <p:sldId id="396" r:id="rId6"/>
-    <p:sldId id="397" r:id="rId7"/>
-    <p:sldId id="398" r:id="rId8"/>
-    <p:sldId id="399" r:id="rId9"/>
+    <p:sldId id="1488" r:id="rId6"/>
+    <p:sldId id="396" r:id="rId7"/>
+    <p:sldId id="397" r:id="rId8"/>
+    <p:sldId id="398" r:id="rId9"/>
+    <p:sldId id="399" r:id="rId10"/>
   </p:sldIdLst>
   <p:sldSz cx="9144000" cy="6858000" type="screen4x3"/>
   <p:notesSz cx="6858000" cy="9144000"/>
@@ -312,7 +313,7 @@
             <a:fld id="{26EA1CF3-4A15-4CBF-9A5A-6A56C368BE71}" type="datetimeFigureOut">
               <a:rPr lang="en-GB" smtClean="0"/>
               <a:pPr/>
-              <a:t>03/10/2022</a:t>
+              <a:t>06/02/2026</a:t>
             </a:fld>
             <a:endParaRPr lang="en-GB"/>
           </a:p>
@@ -479,7 +480,7 @@
             <a:fld id="{26EA1CF3-4A15-4CBF-9A5A-6A56C368BE71}" type="datetimeFigureOut">
               <a:rPr lang="en-GB" smtClean="0"/>
               <a:pPr/>
-              <a:t>03/10/2022</a:t>
+              <a:t>06/02/2026</a:t>
             </a:fld>
             <a:endParaRPr lang="en-GB"/>
           </a:p>
@@ -656,7 +657,7 @@
             <a:fld id="{26EA1CF3-4A15-4CBF-9A5A-6A56C368BE71}" type="datetimeFigureOut">
               <a:rPr lang="en-GB" smtClean="0"/>
               <a:pPr/>
-              <a:t>03/10/2022</a:t>
+              <a:t>06/02/2026</a:t>
             </a:fld>
             <a:endParaRPr lang="en-GB"/>
           </a:p>
@@ -823,7 +824,7 @@
             <a:fld id="{26EA1CF3-4A15-4CBF-9A5A-6A56C368BE71}" type="datetimeFigureOut">
               <a:rPr lang="en-GB" smtClean="0"/>
               <a:pPr/>
-              <a:t>03/10/2022</a:t>
+              <a:t>06/02/2026</a:t>
             </a:fld>
             <a:endParaRPr lang="en-GB"/>
           </a:p>
@@ -1066,7 +1067,7 @@
             <a:fld id="{26EA1CF3-4A15-4CBF-9A5A-6A56C368BE71}" type="datetimeFigureOut">
               <a:rPr lang="en-GB" smtClean="0"/>
               <a:pPr/>
-              <a:t>03/10/2022</a:t>
+              <a:t>06/02/2026</a:t>
             </a:fld>
             <a:endParaRPr lang="en-GB"/>
           </a:p>
@@ -1351,7 +1352,7 @@
             <a:fld id="{26EA1CF3-4A15-4CBF-9A5A-6A56C368BE71}" type="datetimeFigureOut">
               <a:rPr lang="en-GB" smtClean="0"/>
               <a:pPr/>
-              <a:t>03/10/2022</a:t>
+              <a:t>06/02/2026</a:t>
             </a:fld>
             <a:endParaRPr lang="en-GB"/>
           </a:p>
@@ -1770,7 +1771,7 @@
             <a:fld id="{26EA1CF3-4A15-4CBF-9A5A-6A56C368BE71}" type="datetimeFigureOut">
               <a:rPr lang="en-GB" smtClean="0"/>
               <a:pPr/>
-              <a:t>03/10/2022</a:t>
+              <a:t>06/02/2026</a:t>
             </a:fld>
             <a:endParaRPr lang="en-GB"/>
           </a:p>
@@ -1885,7 +1886,7 @@
             <a:fld id="{26EA1CF3-4A15-4CBF-9A5A-6A56C368BE71}" type="datetimeFigureOut">
               <a:rPr lang="en-GB" smtClean="0"/>
               <a:pPr/>
-              <a:t>03/10/2022</a:t>
+              <a:t>06/02/2026</a:t>
             </a:fld>
             <a:endParaRPr lang="en-GB"/>
           </a:p>
@@ -1977,7 +1978,7 @@
             <a:fld id="{26EA1CF3-4A15-4CBF-9A5A-6A56C368BE71}" type="datetimeFigureOut">
               <a:rPr lang="en-GB" smtClean="0"/>
               <a:pPr/>
-              <a:t>03/10/2022</a:t>
+              <a:t>06/02/2026</a:t>
             </a:fld>
             <a:endParaRPr lang="en-GB"/>
           </a:p>
@@ -2251,7 +2252,7 @@
             <a:fld id="{26EA1CF3-4A15-4CBF-9A5A-6A56C368BE71}" type="datetimeFigureOut">
               <a:rPr lang="en-GB" smtClean="0"/>
               <a:pPr/>
-              <a:t>03/10/2022</a:t>
+              <a:t>06/02/2026</a:t>
             </a:fld>
             <a:endParaRPr lang="en-GB"/>
           </a:p>
@@ -2501,7 +2502,7 @@
             <a:fld id="{26EA1CF3-4A15-4CBF-9A5A-6A56C368BE71}" type="datetimeFigureOut">
               <a:rPr lang="en-GB" smtClean="0"/>
               <a:pPr/>
-              <a:t>03/10/2022</a:t>
+              <a:t>06/02/2026</a:t>
             </a:fld>
             <a:endParaRPr lang="en-GB"/>
           </a:p>
@@ -2714,7 +2715,7 @@
             <a:fld id="{26EA1CF3-4A15-4CBF-9A5A-6A56C368BE71}" type="datetimeFigureOut">
               <a:rPr lang="en-GB" smtClean="0"/>
               <a:pPr/>
-              <a:t>03/10/2022</a:t>
+              <a:t>06/02/2026</a:t>
             </a:fld>
             <a:endParaRPr lang="en-GB"/>
           </a:p>
@@ -3115,7 +3116,7 @@
           </a:p>
           <a:p>
             <a:r>
-              <a:rPr lang="en-GB" sz="8800" dirty="0"/>
+              <a:rPr lang="en-GB" sz="6000" dirty="0"/>
               <a:t>Raise A Hallelujah</a:t>
             </a:r>
           </a:p>
@@ -3245,7 +3246,7 @@
         </p:nvSpPr>
         <p:spPr>
           <a:xfrm>
-            <a:off x="323528" y="188640"/>
+            <a:off x="251520" y="764704"/>
             <a:ext cx="8640960" cy="6480720"/>
           </a:xfrm>
         </p:spPr>
@@ -3256,7 +3257,7 @@
           <a:lstStyle/>
           <a:p>
             <a:r>
-              <a:rPr lang="en-GB" sz="4800" dirty="0">
+              <a:rPr lang="en-GB" sz="3600" dirty="0">
                 <a:solidFill>
                   <a:schemeClr val="bg1"/>
                 </a:solidFill>
@@ -3264,14 +3265,14 @@
               <a:t>I raise a hallelujah in the presence of my enemies</a:t>
             </a:r>
             <a:br>
-              <a:rPr lang="en-GB" sz="4800" dirty="0">
+              <a:rPr lang="en-GB" sz="3600" dirty="0">
                 <a:solidFill>
                   <a:schemeClr val="bg1"/>
                 </a:solidFill>
               </a:rPr>
             </a:br>
             <a:r>
-              <a:rPr lang="en-GB" sz="4800" dirty="0">
+              <a:rPr lang="en-GB" sz="3600" dirty="0">
                 <a:solidFill>
                   <a:schemeClr val="bg1"/>
                 </a:solidFill>
@@ -3279,14 +3280,14 @@
               <a:t>I raise a hallelujah louder than the unbelief</a:t>
             </a:r>
             <a:br>
-              <a:rPr lang="en-GB" sz="4800" dirty="0">
+              <a:rPr lang="en-GB" sz="3600" dirty="0">
                 <a:solidFill>
                   <a:schemeClr val="bg1"/>
                 </a:solidFill>
               </a:rPr>
             </a:br>
             <a:r>
-              <a:rPr lang="en-GB" sz="4800" dirty="0">
+              <a:rPr lang="en-GB" sz="3600" dirty="0">
                 <a:solidFill>
                   <a:schemeClr val="bg1"/>
                 </a:solidFill>
@@ -3294,14 +3295,14 @@
               <a:t>I raise a hallelujah my weapon is a melody</a:t>
             </a:r>
             <a:br>
-              <a:rPr lang="en-GB" sz="4800" dirty="0">
+              <a:rPr lang="en-GB" sz="3600" dirty="0">
                 <a:solidFill>
                   <a:schemeClr val="bg1"/>
                 </a:solidFill>
               </a:rPr>
             </a:br>
             <a:r>
-              <a:rPr lang="en-GB" sz="4800" dirty="0">
+              <a:rPr lang="en-GB" sz="3600" dirty="0">
                 <a:solidFill>
                   <a:schemeClr val="bg1"/>
                 </a:solidFill>
@@ -3339,7 +3340,7 @@
                   <a:schemeClr val="bg1"/>
                 </a:solidFill>
               </a:rPr>
-              <a:t>1/7</a:t>
+              <a:t>1/8</a:t>
             </a:r>
           </a:p>
         </p:txBody>
@@ -3381,7 +3382,7 @@
         </p:nvSpPr>
         <p:spPr>
           <a:xfrm>
-            <a:off x="323528" y="188640"/>
+            <a:off x="251520" y="908720"/>
             <a:ext cx="8640960" cy="6480720"/>
           </a:xfrm>
         </p:spPr>
@@ -3392,7 +3393,7 @@
           <a:lstStyle/>
           <a:p>
             <a:r>
-              <a:rPr lang="en-GB" sz="5400" dirty="0">
+              <a:rPr lang="en-GB" sz="3600" dirty="0">
                 <a:solidFill>
                   <a:schemeClr val="bg1"/>
                 </a:solidFill>
@@ -3400,7 +3401,7 @@
               <a:t>I’m </a:t>
             </a:r>
             <a:r>
-              <a:rPr lang="en-GB" sz="5400" dirty="0" err="1">
+              <a:rPr lang="en-GB" sz="3600" dirty="0" err="1">
                 <a:solidFill>
                   <a:schemeClr val="bg1"/>
                 </a:solidFill>
@@ -3408,7 +3409,7 @@
               <a:t>gonna</a:t>
             </a:r>
             <a:r>
-              <a:rPr lang="en-GB" sz="5400" dirty="0">
+              <a:rPr lang="en-GB" sz="3600" dirty="0">
                 <a:solidFill>
                   <a:schemeClr val="bg1"/>
                 </a:solidFill>
@@ -3416,14 +3417,14 @@
               <a:t> sing in the middle of the storm</a:t>
             </a:r>
             <a:br>
-              <a:rPr lang="en-GB" sz="5400" dirty="0">
+              <a:rPr lang="en-GB" sz="3600" dirty="0">
                 <a:solidFill>
                   <a:schemeClr val="bg1"/>
                 </a:solidFill>
               </a:rPr>
             </a:br>
             <a:r>
-              <a:rPr lang="en-GB" sz="5400" dirty="0">
+              <a:rPr lang="en-GB" sz="3600" dirty="0">
                 <a:solidFill>
                   <a:schemeClr val="bg1"/>
                 </a:solidFill>
@@ -3431,7 +3432,7 @@
               <a:t>Louder and louder you’re </a:t>
             </a:r>
             <a:r>
-              <a:rPr lang="en-GB" sz="5400" dirty="0" err="1">
+              <a:rPr lang="en-GB" sz="3600" dirty="0" err="1">
                 <a:solidFill>
                   <a:schemeClr val="bg1"/>
                 </a:solidFill>
@@ -3439,7 +3440,7 @@
               <a:t>gonna</a:t>
             </a:r>
             <a:r>
-              <a:rPr lang="en-GB" sz="5400" dirty="0">
+              <a:rPr lang="en-GB" sz="3600" dirty="0">
                 <a:solidFill>
                   <a:schemeClr val="bg1"/>
                 </a:solidFill>
@@ -3447,14 +3448,14 @@
               <a:t> hear my praises roar</a:t>
             </a:r>
             <a:br>
-              <a:rPr lang="en-GB" sz="5400" dirty="0">
+              <a:rPr lang="en-GB" sz="3600" dirty="0">
                 <a:solidFill>
                   <a:schemeClr val="bg1"/>
                 </a:solidFill>
               </a:rPr>
             </a:br>
             <a:r>
-              <a:rPr lang="en-GB" sz="5400" dirty="0">
+              <a:rPr lang="en-GB" sz="3600" dirty="0">
                 <a:solidFill>
                   <a:schemeClr val="bg1"/>
                 </a:solidFill>
@@ -3462,14 +3463,14 @@
               <a:t>Up from the ashes hope will arise</a:t>
             </a:r>
             <a:br>
-              <a:rPr lang="en-GB" sz="5400" dirty="0">
+              <a:rPr lang="en-GB" sz="3600" dirty="0">
                 <a:solidFill>
                   <a:schemeClr val="bg1"/>
                 </a:solidFill>
               </a:rPr>
             </a:br>
             <a:r>
-              <a:rPr lang="en-GB" sz="5400" dirty="0">
+              <a:rPr lang="en-GB" sz="3600" dirty="0">
                 <a:solidFill>
                   <a:schemeClr val="bg1"/>
                 </a:solidFill>
@@ -3507,7 +3508,7 @@
                   <a:schemeClr val="bg1"/>
                 </a:solidFill>
               </a:rPr>
-              <a:t>2/7</a:t>
+              <a:t>2/8</a:t>
             </a:r>
           </a:p>
         </p:txBody>
@@ -3549,7 +3550,7 @@
         </p:nvSpPr>
         <p:spPr>
           <a:xfrm>
-            <a:off x="323528" y="188640"/>
+            <a:off x="251520" y="764704"/>
             <a:ext cx="8640960" cy="6480720"/>
           </a:xfrm>
         </p:spPr>
@@ -3560,7 +3561,7 @@
           <a:lstStyle/>
           <a:p>
             <a:r>
-              <a:rPr lang="en-GB" sz="4800" dirty="0">
+              <a:rPr lang="en-GB" sz="3600" dirty="0">
                 <a:solidFill>
                   <a:schemeClr val="bg1"/>
                 </a:solidFill>
@@ -3568,14 +3569,14 @@
               <a:t>I raise a hallelujah with everything inside of me</a:t>
             </a:r>
             <a:br>
-              <a:rPr lang="en-GB" sz="4800" dirty="0">
+              <a:rPr lang="en-GB" sz="3600" dirty="0">
                 <a:solidFill>
                   <a:schemeClr val="bg1"/>
                 </a:solidFill>
               </a:rPr>
             </a:br>
             <a:r>
-              <a:rPr lang="en-GB" sz="4800" dirty="0">
+              <a:rPr lang="en-GB" sz="3600" dirty="0">
                 <a:solidFill>
                   <a:schemeClr val="bg1"/>
                 </a:solidFill>
@@ -3583,14 +3584,14 @@
               <a:t>I raise a hallelujah I will watch the darkness flee</a:t>
             </a:r>
             <a:br>
-              <a:rPr lang="en-GB" sz="4800" dirty="0">
+              <a:rPr lang="en-GB" sz="3600" dirty="0">
                 <a:solidFill>
                   <a:schemeClr val="bg1"/>
                 </a:solidFill>
               </a:rPr>
             </a:br>
             <a:r>
-              <a:rPr lang="en-GB" sz="4800" dirty="0">
+              <a:rPr lang="en-GB" sz="3600" dirty="0">
                 <a:solidFill>
                   <a:schemeClr val="bg1"/>
                 </a:solidFill>
@@ -3598,14 +3599,14 @@
               <a:t>I raise a hallelujah in the middle of the mystery</a:t>
             </a:r>
             <a:br>
-              <a:rPr lang="en-GB" sz="4800" dirty="0">
+              <a:rPr lang="en-GB" sz="3600" dirty="0">
                 <a:solidFill>
                   <a:schemeClr val="bg1"/>
                 </a:solidFill>
               </a:rPr>
             </a:br>
             <a:r>
-              <a:rPr lang="en-GB" sz="4800" dirty="0">
+              <a:rPr lang="en-GB" sz="3600" dirty="0">
                 <a:solidFill>
                   <a:schemeClr val="bg1"/>
                 </a:solidFill>
@@ -3643,7 +3644,7 @@
                   <a:schemeClr val="bg1"/>
                 </a:solidFill>
               </a:rPr>
-              <a:t>3/7</a:t>
+              <a:t>3/8</a:t>
             </a:r>
           </a:p>
         </p:txBody>
@@ -3661,7 +3662,13 @@
   <p:cSld>
     <p:spTree>
       <p:nvGrpSpPr>
-        <p:cNvPr id="1" name=""/>
+        <p:cNvPr id="1" name="">
+          <a:extLst>
+            <a:ext uri="{FF2B5EF4-FFF2-40B4-BE49-F238E27FC236}">
+              <a16:creationId xmlns:a16="http://schemas.microsoft.com/office/drawing/2014/main" id="{78FC00D4-7B52-7FAB-C274-3A8EA1451CE2}"/>
+            </a:ext>
+          </a:extLst>
+        </p:cNvPr>
         <p:cNvGrpSpPr/>
         <p:nvPr/>
       </p:nvGrpSpPr>
@@ -3675,7 +3682,13 @@
       </p:grpSpPr>
       <p:sp>
         <p:nvSpPr>
-          <p:cNvPr id="3" name="Subtitle 2"/>
+          <p:cNvPr id="3" name="Subtitle 2">
+            <a:extLst>
+              <a:ext uri="{FF2B5EF4-FFF2-40B4-BE49-F238E27FC236}">
+                <a16:creationId xmlns:a16="http://schemas.microsoft.com/office/drawing/2014/main" id="{601A7649-64AE-DBB6-1DBC-DB5F68E6C773}"/>
+              </a:ext>
+            </a:extLst>
+          </p:cNvPr>
           <p:cNvSpPr>
             <a:spLocks noGrp="1"/>
           </p:cNvSpPr>
@@ -3685,7 +3698,7 @@
         </p:nvSpPr>
         <p:spPr>
           <a:xfrm>
-            <a:off x="323528" y="188640"/>
+            <a:off x="251520" y="908720"/>
             <a:ext cx="8640960" cy="6480720"/>
           </a:xfrm>
         </p:spPr>
@@ -3695,84 +3708,103 @@
           </a:bodyPr>
           <a:lstStyle/>
           <a:p>
-            <a:endParaRPr lang="en-GB" sz="5400" dirty="0">
-              <a:solidFill>
-                <a:schemeClr val="bg1"/>
-              </a:solidFill>
-            </a:endParaRPr>
-          </a:p>
-          <a:p>
-            <a:r>
-              <a:rPr lang="en-GB" sz="5400" dirty="0">
-                <a:solidFill>
-                  <a:schemeClr val="bg1"/>
-                </a:solidFill>
-              </a:rPr>
-              <a:t>Sing a little louder </a:t>
+            <a:r>
+              <a:rPr lang="en-GB" sz="3600" dirty="0">
+                <a:solidFill>
+                  <a:schemeClr val="bg1"/>
+                </a:solidFill>
+              </a:rPr>
+              <a:t>I’m </a:t>
+            </a:r>
+            <a:r>
+              <a:rPr lang="en-GB" sz="3600" dirty="0" err="1">
+                <a:solidFill>
+                  <a:schemeClr val="bg1"/>
+                </a:solidFill>
+              </a:rPr>
+              <a:t>gonna</a:t>
+            </a:r>
+            <a:r>
+              <a:rPr lang="en-GB" sz="3600" dirty="0">
+                <a:solidFill>
+                  <a:schemeClr val="bg1"/>
+                </a:solidFill>
+              </a:rPr>
+              <a:t> sing in the middle of the storm</a:t>
             </a:r>
             <a:br>
-              <a:rPr lang="en-GB" sz="5400" dirty="0">
+              <a:rPr lang="en-GB" sz="3600" dirty="0">
                 <a:solidFill>
                   <a:schemeClr val="bg1"/>
                 </a:solidFill>
               </a:rPr>
             </a:br>
             <a:r>
-              <a:rPr lang="en-GB" sz="5400" dirty="0">
-                <a:solidFill>
-                  <a:schemeClr val="bg1"/>
-                </a:solidFill>
-              </a:rPr>
-              <a:t>(Sing a little louder)</a:t>
+              <a:rPr lang="en-GB" sz="3600" dirty="0">
+                <a:solidFill>
+                  <a:schemeClr val="bg1"/>
+                </a:solidFill>
+              </a:rPr>
+              <a:t>Louder and louder you’re </a:t>
+            </a:r>
+            <a:r>
+              <a:rPr lang="en-GB" sz="3600" dirty="0" err="1">
+                <a:solidFill>
+                  <a:schemeClr val="bg1"/>
+                </a:solidFill>
+              </a:rPr>
+              <a:t>gonna</a:t>
+            </a:r>
+            <a:r>
+              <a:rPr lang="en-GB" sz="3600" dirty="0">
+                <a:solidFill>
+                  <a:schemeClr val="bg1"/>
+                </a:solidFill>
+              </a:rPr>
+              <a:t> hear my praises roar</a:t>
             </a:r>
             <a:br>
-              <a:rPr lang="en-GB" sz="5400" dirty="0">
+              <a:rPr lang="en-GB" sz="3600" dirty="0">
                 <a:solidFill>
                   <a:schemeClr val="bg1"/>
                 </a:solidFill>
               </a:rPr>
             </a:br>
             <a:r>
-              <a:rPr lang="en-GB" sz="5400" dirty="0">
-                <a:solidFill>
-                  <a:schemeClr val="bg1"/>
-                </a:solidFill>
-              </a:rPr>
-              <a:t>Sing a little louder </a:t>
+              <a:rPr lang="en-GB" sz="3600" dirty="0">
+                <a:solidFill>
+                  <a:schemeClr val="bg1"/>
+                </a:solidFill>
+              </a:rPr>
+              <a:t>Up from the ashes hope will arise</a:t>
             </a:r>
             <a:br>
-              <a:rPr lang="en-GB" sz="5400" dirty="0">
+              <a:rPr lang="en-GB" sz="3600" dirty="0">
                 <a:solidFill>
                   <a:schemeClr val="bg1"/>
                 </a:solidFill>
               </a:rPr>
             </a:br>
             <a:r>
-              <a:rPr lang="en-GB" sz="5400" dirty="0">
-                <a:solidFill>
-                  <a:schemeClr val="bg1"/>
-                </a:solidFill>
-              </a:rPr>
-              <a:t>(Sing a little louder)</a:t>
-            </a:r>
-            <a:br>
-              <a:rPr lang="en-GB" sz="5400" dirty="0">
-                <a:solidFill>
-                  <a:schemeClr val="bg1"/>
-                </a:solidFill>
-              </a:rPr>
-            </a:br>
-            <a:endParaRPr lang="en-GB" sz="5400" dirty="0">
-              <a:solidFill>
-                <a:schemeClr val="bg1"/>
-              </a:solidFill>
-            </a:endParaRPr>
-          </a:p>
-        </p:txBody>
-      </p:sp>
-      <p:sp>
-        <p:nvSpPr>
-          <p:cNvPr id="4" name="TextBox 3"/>
+              <a:rPr lang="en-GB" sz="3600" dirty="0">
+                <a:solidFill>
+                  <a:schemeClr val="bg1"/>
+                </a:solidFill>
+              </a:rPr>
+              <a:t>Death is defeated the King is alive</a:t>
+            </a:r>
+          </a:p>
+        </p:txBody>
+      </p:sp>
+      <p:sp>
+        <p:nvSpPr>
+          <p:cNvPr id="4" name="TextBox 3">
+            <a:extLst>
+              <a:ext uri="{FF2B5EF4-FFF2-40B4-BE49-F238E27FC236}">
+                <a16:creationId xmlns:a16="http://schemas.microsoft.com/office/drawing/2014/main" id="{E8EC669E-3CE3-BEDF-86B4-14F07F06B89F}"/>
+              </a:ext>
+            </a:extLst>
+          </p:cNvPr>
           <p:cNvSpPr txBox="1"/>
           <p:nvPr/>
         </p:nvSpPr>
@@ -3798,12 +3830,17 @@
                   <a:schemeClr val="bg1"/>
                 </a:solidFill>
               </a:rPr>
-              <a:t>4/7</a:t>
+              <a:t>4/8</a:t>
             </a:r>
           </a:p>
         </p:txBody>
       </p:sp>
     </p:spTree>
+    <p:extLst>
+      <p:ext uri="{BB962C8B-B14F-4D97-AF65-F5344CB8AC3E}">
+        <p14:creationId xmlns:p14="http://schemas.microsoft.com/office/powerpoint/2010/main" val="717321928"/>
+      </p:ext>
+    </p:extLst>
   </p:cSld>
   <p:clrMapOvr>
     <a:masterClrMapping/>
@@ -3840,7 +3877,7 @@
         </p:nvSpPr>
         <p:spPr>
           <a:xfrm>
-            <a:off x="323528" y="188640"/>
+            <a:off x="251520" y="908720"/>
             <a:ext cx="8640960" cy="6480720"/>
           </a:xfrm>
         </p:spPr>
@@ -3851,12 +3888,57 @@
           <a:lstStyle/>
           <a:p>
             <a:r>
-              <a:rPr lang="en-GB" sz="5400" dirty="0">
-                <a:solidFill>
-                  <a:schemeClr val="bg1"/>
-                </a:solidFill>
-              </a:rPr>
-              <a:t>Sing a little louder in the presence of my enemies</a:t>
+              <a:rPr lang="en-GB" sz="3600" dirty="0">
+                <a:solidFill>
+                  <a:schemeClr val="bg1"/>
+                </a:solidFill>
+              </a:rPr>
+              <a:t>Sing a little louder </a:t>
+            </a:r>
+            <a:br>
+              <a:rPr lang="en-GB" sz="3600" dirty="0">
+                <a:solidFill>
+                  <a:schemeClr val="bg1"/>
+                </a:solidFill>
+              </a:rPr>
+            </a:br>
+            <a:r>
+              <a:rPr lang="en-GB" sz="3600" dirty="0">
+                <a:solidFill>
+                  <a:schemeClr val="bg1"/>
+                </a:solidFill>
+              </a:rPr>
+              <a:t>(Sing a little louder)</a:t>
+            </a:r>
+            <a:br>
+              <a:rPr lang="en-GB" sz="3600" dirty="0">
+                <a:solidFill>
+                  <a:schemeClr val="bg1"/>
+                </a:solidFill>
+              </a:rPr>
+            </a:br>
+            <a:r>
+              <a:rPr lang="en-GB" sz="3600" dirty="0">
+                <a:solidFill>
+                  <a:schemeClr val="bg1"/>
+                </a:solidFill>
+              </a:rPr>
+              <a:t>Sing a little louder </a:t>
+            </a:r>
+            <a:br>
+              <a:rPr lang="en-GB" sz="3600" dirty="0">
+                <a:solidFill>
+                  <a:schemeClr val="bg1"/>
+                </a:solidFill>
+              </a:rPr>
+            </a:br>
+            <a:r>
+              <a:rPr lang="en-GB" sz="3600" dirty="0">
+                <a:solidFill>
+                  <a:schemeClr val="bg1"/>
+                </a:solidFill>
+              </a:rPr>
+              <a:t>(Sing a little louder)</a:t>
             </a:r>
             <a:br>
               <a:rPr lang="en-GB" sz="5400" dirty="0">
@@ -3865,60 +3947,11 @@
                 </a:solidFill>
               </a:rPr>
             </a:br>
-            <a:r>
-              <a:rPr lang="en-GB" sz="5400" dirty="0">
-                <a:solidFill>
-                  <a:schemeClr val="bg1"/>
-                </a:solidFill>
-              </a:rPr>
-              <a:t>Sing a little louder </a:t>
-            </a:r>
-            <a:r>
-              <a:rPr lang="en-GB" sz="5400" dirty="0" err="1">
-                <a:solidFill>
-                  <a:schemeClr val="bg1"/>
-                </a:solidFill>
-              </a:rPr>
-              <a:t>louder</a:t>
-            </a:r>
-            <a:r>
-              <a:rPr lang="en-GB" sz="5400" dirty="0">
-                <a:solidFill>
-                  <a:schemeClr val="bg1"/>
-                </a:solidFill>
-              </a:rPr>
-              <a:t> than the unbelief</a:t>
-            </a:r>
-            <a:br>
-              <a:rPr lang="en-GB" sz="5400" dirty="0">
-                <a:solidFill>
-                  <a:schemeClr val="bg1"/>
-                </a:solidFill>
-              </a:rPr>
-            </a:br>
-            <a:r>
-              <a:rPr lang="en-GB" sz="5400" dirty="0">
-                <a:solidFill>
-                  <a:schemeClr val="bg1"/>
-                </a:solidFill>
-              </a:rPr>
-              <a:t>Sing a little louder my weapon is a melody</a:t>
-            </a:r>
-            <a:br>
-              <a:rPr lang="en-GB" sz="5400" dirty="0">
-                <a:solidFill>
-                  <a:schemeClr val="bg1"/>
-                </a:solidFill>
-              </a:rPr>
-            </a:br>
-            <a:r>
-              <a:rPr lang="en-GB" sz="5400" dirty="0">
-                <a:solidFill>
-                  <a:schemeClr val="bg1"/>
-                </a:solidFill>
-              </a:rPr>
-              <a:t>Sing a little louder Heaven comes to fight for me</a:t>
-            </a:r>
+            <a:endParaRPr lang="en-GB" sz="5400" dirty="0">
+              <a:solidFill>
+                <a:schemeClr val="bg1"/>
+              </a:solidFill>
+            </a:endParaRPr>
           </a:p>
         </p:txBody>
       </p:sp>
@@ -3950,7 +3983,7 @@
                   <a:schemeClr val="bg1"/>
                 </a:solidFill>
               </a:rPr>
-              <a:t>5/7</a:t>
+              <a:t>5/8</a:t>
             </a:r>
           </a:p>
         </p:txBody>
@@ -3992,7 +4025,7 @@
         </p:nvSpPr>
         <p:spPr>
           <a:xfrm>
-            <a:off x="323528" y="188640"/>
+            <a:off x="251520" y="764704"/>
             <a:ext cx="8640960" cy="6480720"/>
           </a:xfrm>
         </p:spPr>
@@ -4003,89 +4036,57 @@
           <a:lstStyle/>
           <a:p>
             <a:r>
-              <a:rPr lang="en-GB" sz="5400" dirty="0">
-                <a:solidFill>
-                  <a:schemeClr val="bg1"/>
-                </a:solidFill>
-              </a:rPr>
-              <a:t>I’m </a:t>
-            </a:r>
-            <a:r>
-              <a:rPr lang="en-GB" sz="5400" dirty="0" err="1">
-                <a:solidFill>
-                  <a:schemeClr val="bg1"/>
-                </a:solidFill>
-              </a:rPr>
-              <a:t>gonna</a:t>
-            </a:r>
-            <a:r>
-              <a:rPr lang="en-GB" sz="5400" dirty="0">
-                <a:solidFill>
-                  <a:schemeClr val="bg1"/>
-                </a:solidFill>
-              </a:rPr>
-              <a:t> sing in the middle of the storm</a:t>
+              <a:rPr lang="en-GB" sz="3600" dirty="0">
+                <a:solidFill>
+                  <a:schemeClr val="bg1"/>
+                </a:solidFill>
+              </a:rPr>
+              <a:t>Sing a little louder in the presence of my enemies</a:t>
             </a:r>
             <a:br>
-              <a:rPr lang="en-GB" sz="5400" dirty="0">
+              <a:rPr lang="en-GB" sz="3600" dirty="0">
                 <a:solidFill>
                   <a:schemeClr val="bg1"/>
                 </a:solidFill>
               </a:rPr>
             </a:br>
             <a:r>
-              <a:rPr lang="en-GB" sz="5400" dirty="0">
-                <a:solidFill>
-                  <a:schemeClr val="bg1"/>
-                </a:solidFill>
-              </a:rPr>
-              <a:t>Louder and louder you’re </a:t>
-            </a:r>
-            <a:r>
-              <a:rPr lang="en-GB" sz="5400" dirty="0" err="1">
-                <a:solidFill>
-                  <a:schemeClr val="bg1"/>
-                </a:solidFill>
-              </a:rPr>
-              <a:t>gonna</a:t>
-            </a:r>
-            <a:r>
-              <a:rPr lang="en-GB" sz="5400" dirty="0">
-                <a:solidFill>
-                  <a:schemeClr val="bg1"/>
-                </a:solidFill>
-              </a:rPr>
-              <a:t> hear my praises roar</a:t>
+              <a:rPr lang="en-GB" sz="3600" dirty="0">
+                <a:solidFill>
+                  <a:schemeClr val="bg1"/>
+                </a:solidFill>
+              </a:rPr>
+              <a:t>Sing a little louder, louder than the unbelief</a:t>
             </a:r>
             <a:br>
-              <a:rPr lang="en-GB" sz="5400" dirty="0">
+              <a:rPr lang="en-GB" sz="3600" dirty="0">
                 <a:solidFill>
                   <a:schemeClr val="bg1"/>
                 </a:solidFill>
               </a:rPr>
             </a:br>
             <a:r>
-              <a:rPr lang="en-GB" sz="5400" dirty="0">
-                <a:solidFill>
-                  <a:schemeClr val="bg1"/>
-                </a:solidFill>
-              </a:rPr>
-              <a:t>Up from the ashes hope will arise</a:t>
+              <a:rPr lang="en-GB" sz="3600" dirty="0">
+                <a:solidFill>
+                  <a:schemeClr val="bg1"/>
+                </a:solidFill>
+              </a:rPr>
+              <a:t>Sing a little louder my weapon is a melody</a:t>
             </a:r>
             <a:br>
-              <a:rPr lang="en-GB" sz="5400" dirty="0">
+              <a:rPr lang="en-GB" sz="3600" dirty="0">
                 <a:solidFill>
                   <a:schemeClr val="bg1"/>
                 </a:solidFill>
               </a:rPr>
             </a:br>
             <a:r>
-              <a:rPr lang="en-GB" sz="5400" dirty="0">
-                <a:solidFill>
-                  <a:schemeClr val="bg1"/>
-                </a:solidFill>
-              </a:rPr>
-              <a:t>Death is defeated the King is alive</a:t>
+              <a:rPr lang="en-GB" sz="3600" dirty="0">
+                <a:solidFill>
+                  <a:schemeClr val="bg1"/>
+                </a:solidFill>
+              </a:rPr>
+              <a:t>Sing a little louder Heaven comes to fight for me</a:t>
             </a:r>
           </a:p>
         </p:txBody>
@@ -4118,7 +4119,7 @@
                   <a:schemeClr val="bg1"/>
                 </a:solidFill>
               </a:rPr>
-              <a:t>6/7</a:t>
+              <a:t>6/8</a:t>
             </a:r>
           </a:p>
         </p:txBody>
@@ -4160,7 +4161,7 @@
         </p:nvSpPr>
         <p:spPr>
           <a:xfrm>
-            <a:off x="323528" y="188640"/>
+            <a:off x="323528" y="836712"/>
             <a:ext cx="8640960" cy="6480720"/>
           </a:xfrm>
         </p:spPr>
@@ -4171,57 +4172,111 @@
           <a:lstStyle/>
           <a:p>
             <a:r>
-              <a:rPr lang="en-GB" sz="4800" dirty="0">
-                <a:solidFill>
-                  <a:schemeClr val="bg1"/>
-                </a:solidFill>
-              </a:rPr>
-              <a:t>I raise a hallelujah in the presence of my enemies</a:t>
+              <a:rPr lang="en-GB" sz="3600" dirty="0">
+                <a:solidFill>
+                  <a:schemeClr val="bg1"/>
+                </a:solidFill>
+              </a:rPr>
+              <a:t>I’m </a:t>
+            </a:r>
+            <a:r>
+              <a:rPr lang="en-GB" sz="3600" dirty="0" err="1">
+                <a:solidFill>
+                  <a:schemeClr val="bg1"/>
+                </a:solidFill>
+              </a:rPr>
+              <a:t>gonna</a:t>
+            </a:r>
+            <a:r>
+              <a:rPr lang="en-GB" sz="3600" dirty="0">
+                <a:solidFill>
+                  <a:schemeClr val="bg1"/>
+                </a:solidFill>
+              </a:rPr>
+              <a:t> sing in the middle of the storm</a:t>
             </a:r>
             <a:br>
-              <a:rPr lang="en-GB" sz="4800" dirty="0">
+              <a:rPr lang="en-GB" sz="3600" dirty="0">
                 <a:solidFill>
                   <a:schemeClr val="bg1"/>
                 </a:solidFill>
               </a:rPr>
             </a:br>
             <a:r>
-              <a:rPr lang="en-GB" sz="4800" dirty="0">
-                <a:solidFill>
-                  <a:schemeClr val="bg1"/>
-                </a:solidFill>
-              </a:rPr>
-              <a:t>I raise a hallelujah louder than the unbelief</a:t>
+              <a:rPr lang="en-GB" sz="3600" dirty="0">
+                <a:solidFill>
+                  <a:schemeClr val="bg1"/>
+                </a:solidFill>
+              </a:rPr>
+              <a:t>Louder and louder you’re </a:t>
+            </a:r>
+            <a:r>
+              <a:rPr lang="en-GB" sz="3600" dirty="0" err="1">
+                <a:solidFill>
+                  <a:schemeClr val="bg1"/>
+                </a:solidFill>
+              </a:rPr>
+              <a:t>gonna</a:t>
+            </a:r>
+            <a:r>
+              <a:rPr lang="en-GB" sz="3600" dirty="0">
+                <a:solidFill>
+                  <a:schemeClr val="bg1"/>
+                </a:solidFill>
+              </a:rPr>
+              <a:t> hear my praises roar</a:t>
             </a:r>
             <a:br>
-              <a:rPr lang="en-GB" sz="4800" dirty="0">
+              <a:rPr lang="en-GB" sz="3600" dirty="0">
                 <a:solidFill>
                   <a:schemeClr val="bg1"/>
                 </a:solidFill>
               </a:rPr>
             </a:br>
             <a:r>
-              <a:rPr lang="en-GB" sz="4800" dirty="0">
-                <a:solidFill>
-                  <a:schemeClr val="bg1"/>
-                </a:solidFill>
-              </a:rPr>
-              <a:t>I raise a hallelujah my weapon is a melody</a:t>
+              <a:rPr lang="en-GB" sz="3600" dirty="0">
+                <a:solidFill>
+                  <a:schemeClr val="bg1"/>
+                </a:solidFill>
+              </a:rPr>
+              <a:t>Up from the ashes hope will arise</a:t>
             </a:r>
             <a:br>
-              <a:rPr lang="en-GB" sz="4800" dirty="0">
+              <a:rPr lang="en-GB" sz="3600" dirty="0">
                 <a:solidFill>
                   <a:schemeClr val="bg1"/>
                 </a:solidFill>
               </a:rPr>
             </a:br>
             <a:r>
-              <a:rPr lang="en-GB" sz="4800" dirty="0">
-                <a:solidFill>
-                  <a:schemeClr val="bg1"/>
-                </a:solidFill>
-              </a:rPr>
-              <a:t>I raise a hallelujah Heaven comes to fight for me</a:t>
+              <a:rPr lang="en-GB" sz="3600" dirty="0">
+                <a:solidFill>
+                  <a:schemeClr val="bg1"/>
+                </a:solidFill>
+              </a:rPr>
+              <a:t>Death is defeated the King is alive</a:t>
+            </a:r>
+            <a:br>
+              <a:rPr lang="en-GB" sz="3600" dirty="0">
+                <a:solidFill>
+                  <a:schemeClr val="bg1"/>
+                </a:solidFill>
+              </a:rPr>
+            </a:br>
+            <a:br>
+              <a:rPr lang="en-GB" sz="3600" dirty="0">
+                <a:solidFill>
+                  <a:schemeClr val="bg1"/>
+                </a:solidFill>
+              </a:rPr>
+            </a:br>
+            <a:r>
+              <a:rPr lang="en-GB" sz="3600" dirty="0">
+                <a:solidFill>
+                  <a:schemeClr val="bg1"/>
+                </a:solidFill>
+              </a:rPr>
+              <a:t>REPEAT</a:t>
             </a:r>
           </a:p>
         </p:txBody>
@@ -4254,7 +4309,143 @@
                   <a:schemeClr val="bg1"/>
                 </a:solidFill>
               </a:rPr>
-              <a:t>7/7</a:t>
+              <a:t>7/8</a:t>
+            </a:r>
+          </a:p>
+        </p:txBody>
+      </p:sp>
+    </p:spTree>
+  </p:cSld>
+  <p:clrMapOvr>
+    <a:masterClrMapping/>
+  </p:clrMapOvr>
+</p:sld>
+</file>
+
+<file path=ppt/slides/slide9.xml><?xml version="1.0" encoding="utf-8"?>
+<p:sld xmlns:a="http://schemas.openxmlformats.org/drawingml/2006/main" xmlns:r="http://schemas.openxmlformats.org/officeDocument/2006/relationships" xmlns:p="http://schemas.openxmlformats.org/presentationml/2006/main">
+  <p:cSld>
+    <p:spTree>
+      <p:nvGrpSpPr>
+        <p:cNvPr id="1" name=""/>
+        <p:cNvGrpSpPr/>
+        <p:nvPr/>
+      </p:nvGrpSpPr>
+      <p:grpSpPr>
+        <a:xfrm>
+          <a:off x="0" y="0"/>
+          <a:ext cx="0" cy="0"/>
+          <a:chOff x="0" y="0"/>
+          <a:chExt cx="0" cy="0"/>
+        </a:xfrm>
+      </p:grpSpPr>
+      <p:sp>
+        <p:nvSpPr>
+          <p:cNvPr id="3" name="Subtitle 2"/>
+          <p:cNvSpPr>
+            <a:spLocks noGrp="1"/>
+          </p:cNvSpPr>
+          <p:nvPr>
+            <p:ph type="subTitle" idx="1"/>
+          </p:nvPr>
+        </p:nvSpPr>
+        <p:spPr>
+          <a:xfrm>
+            <a:off x="169339" y="764704"/>
+            <a:ext cx="8640960" cy="6480720"/>
+          </a:xfrm>
+        </p:spPr>
+        <p:txBody>
+          <a:bodyPr>
+            <a:noAutofit/>
+          </a:bodyPr>
+          <a:lstStyle/>
+          <a:p>
+            <a:r>
+              <a:rPr lang="en-GB" sz="3600" dirty="0">
+                <a:solidFill>
+                  <a:schemeClr val="bg1"/>
+                </a:solidFill>
+              </a:rPr>
+              <a:t>I raise a hallelujah in the presence of my enemies</a:t>
+            </a:r>
+            <a:br>
+              <a:rPr lang="en-GB" sz="3600" dirty="0">
+                <a:solidFill>
+                  <a:schemeClr val="bg1"/>
+                </a:solidFill>
+              </a:rPr>
+            </a:br>
+            <a:r>
+              <a:rPr lang="en-GB" sz="3600" dirty="0">
+                <a:solidFill>
+                  <a:schemeClr val="bg1"/>
+                </a:solidFill>
+              </a:rPr>
+              <a:t>I raise a hallelujah louder than the unbelief</a:t>
+            </a:r>
+            <a:br>
+              <a:rPr lang="en-GB" sz="3600" dirty="0">
+                <a:solidFill>
+                  <a:schemeClr val="bg1"/>
+                </a:solidFill>
+              </a:rPr>
+            </a:br>
+            <a:r>
+              <a:rPr lang="en-GB" sz="3600" dirty="0">
+                <a:solidFill>
+                  <a:schemeClr val="bg1"/>
+                </a:solidFill>
+              </a:rPr>
+              <a:t>I raise a hallelujah my weapon is a melody</a:t>
+            </a:r>
+            <a:br>
+              <a:rPr lang="en-GB" sz="3600" dirty="0">
+                <a:solidFill>
+                  <a:schemeClr val="bg1"/>
+                </a:solidFill>
+              </a:rPr>
+            </a:br>
+            <a:r>
+              <a:rPr lang="en-GB" sz="3600" dirty="0">
+                <a:solidFill>
+                  <a:schemeClr val="bg1"/>
+                </a:solidFill>
+              </a:rPr>
+              <a:t>I raise a hallelujah Heaven comes to fight for me</a:t>
+            </a:r>
+          </a:p>
+        </p:txBody>
+      </p:sp>
+      <p:sp>
+        <p:nvSpPr>
+          <p:cNvPr id="4" name="TextBox 3"/>
+          <p:cNvSpPr txBox="1"/>
+          <p:nvPr/>
+        </p:nvSpPr>
+        <p:spPr>
+          <a:xfrm>
+            <a:off x="8529729" y="0"/>
+            <a:ext cx="628698" cy="461665"/>
+          </a:xfrm>
+          <a:prstGeom prst="rect">
+            <a:avLst/>
+          </a:prstGeom>
+          <a:noFill/>
+        </p:spPr>
+        <p:txBody>
+          <a:bodyPr wrap="none" rtlCol="0">
+            <a:spAutoFit/>
+          </a:bodyPr>
+          <a:lstStyle/>
+          <a:p>
+            <a:r>
+              <a:rPr lang="en-GB" sz="2400" b="1" dirty="0">
+                <a:solidFill>
+                  <a:schemeClr val="bg1"/>
+                </a:solidFill>
+              </a:rPr>
+              <a:t>8/8</a:t>
             </a:r>
           </a:p>
         </p:txBody>
